--- a/notes/csc493-ln012.pptx
+++ b/notes/csc493-ln012.pptx
@@ -6080,6 +6080,86 @@
           </p:spPr>
         </p:pic>
       </p:grpSp>
+      <p:sp>
+        <p:nvSpPr>
+          <p:cNvPr id="14" name="TextBox 13">
+            <a:extLst>
+              <a:ext uri="{FF2B5EF4-FFF2-40B4-BE49-F238E27FC236}">
+                <a16:creationId xmlns:a16="http://schemas.microsoft.com/office/drawing/2014/main" id="{5EEC0575-0847-FE41-9B32-FD1FEAF43DBD}"/>
+              </a:ext>
+            </a:extLst>
+          </p:cNvPr>
+          <p:cNvSpPr txBox="1"/>
+          <p:nvPr/>
+        </p:nvSpPr>
+        <p:spPr>
+          <a:xfrm>
+            <a:off x="1133255" y="5791200"/>
+            <a:ext cx="1218603" cy="307777"/>
+          </a:xfrm>
+          <a:prstGeom prst="rect">
+            <a:avLst/>
+          </a:prstGeom>
+          <a:noFill/>
+        </p:spPr>
+        <p:txBody>
+          <a:bodyPr wrap="none" rtlCol="0">
+            <a:spAutoFit/>
+          </a:bodyPr>
+          <a:lstStyle/>
+          <a:p>
+            <a:r>
+              <a:rPr lang="en-US" sz="1400" dirty="0"/>
+              <a:t>ln012/</a:t>
+            </a:r>
+            <a:r>
+              <a:rPr lang="en-US" sz="1400" dirty="0" err="1"/>
+              <a:t>map.rs</a:t>
+            </a:r>
+            <a:endParaRPr lang="en-US" sz="1400" dirty="0"/>
+          </a:p>
+        </p:txBody>
+      </p:sp>
+      <p:sp>
+        <p:nvSpPr>
+          <p:cNvPr id="15" name="TextBox 14">
+            <a:extLst>
+              <a:ext uri="{FF2B5EF4-FFF2-40B4-BE49-F238E27FC236}">
+                <a16:creationId xmlns:a16="http://schemas.microsoft.com/office/drawing/2014/main" id="{1582030C-D345-9241-8BE3-F83292B9E5AC}"/>
+              </a:ext>
+            </a:extLst>
+          </p:cNvPr>
+          <p:cNvSpPr txBox="1"/>
+          <p:nvPr/>
+        </p:nvSpPr>
+        <p:spPr>
+          <a:xfrm>
+            <a:off x="4876800" y="2542541"/>
+            <a:ext cx="1258678" cy="307777"/>
+          </a:xfrm>
+          <a:prstGeom prst="rect">
+            <a:avLst/>
+          </a:prstGeom>
+          <a:noFill/>
+        </p:spPr>
+        <p:txBody>
+          <a:bodyPr wrap="none" rtlCol="0">
+            <a:spAutoFit/>
+          </a:bodyPr>
+          <a:lstStyle/>
+          <a:p>
+            <a:r>
+              <a:rPr lang="en-US" sz="1400" dirty="0"/>
+              <a:t>ln012/</a:t>
+            </a:r>
+            <a:r>
+              <a:rPr lang="en-US" sz="1400" dirty="0" err="1"/>
+              <a:t>map.py</a:t>
+            </a:r>
+            <a:endParaRPr lang="en-US" sz="1400" dirty="0"/>
+          </a:p>
+        </p:txBody>
+      </p:sp>
     </p:spTree>
     <p:extLst>
       <p:ext uri="{BB962C8B-B14F-4D97-AF65-F5344CB8AC3E}">
@@ -6439,6 +6519,46 @@
           </a:p>
         </p:txBody>
       </p:sp>
+      <p:sp>
+        <p:nvSpPr>
+          <p:cNvPr id="7" name="TextBox 6">
+            <a:extLst>
+              <a:ext uri="{FF2B5EF4-FFF2-40B4-BE49-F238E27FC236}">
+                <a16:creationId xmlns:a16="http://schemas.microsoft.com/office/drawing/2014/main" id="{88F0AB72-BE01-B245-8710-C321682213D7}"/>
+              </a:ext>
+            </a:extLst>
+          </p:cNvPr>
+          <p:cNvSpPr txBox="1"/>
+          <p:nvPr/>
+        </p:nvSpPr>
+        <p:spPr>
+          <a:xfrm>
+            <a:off x="633047" y="4043272"/>
+            <a:ext cx="1507144" cy="307777"/>
+          </a:xfrm>
+          <a:prstGeom prst="rect">
+            <a:avLst/>
+          </a:prstGeom>
+          <a:noFill/>
+        </p:spPr>
+        <p:txBody>
+          <a:bodyPr wrap="none" rtlCol="0">
+            <a:spAutoFit/>
+          </a:bodyPr>
+          <a:lstStyle/>
+          <a:p>
+            <a:r>
+              <a:rPr lang="en-US" sz="1400" dirty="0"/>
+              <a:t>ln012/</a:t>
+            </a:r>
+            <a:r>
+              <a:rPr lang="en-US" sz="1400" dirty="0" err="1"/>
+              <a:t>reduce.ast</a:t>
+            </a:r>
+            <a:endParaRPr lang="en-US" sz="1400" dirty="0"/>
+          </a:p>
+        </p:txBody>
+      </p:sp>
     </p:spTree>
     <p:extLst>
       <p:ext uri="{BB962C8B-B14F-4D97-AF65-F5344CB8AC3E}">
@@ -6565,6 +6685,46 @@
           </a:ln>
         </p:spPr>
       </p:pic>
+      <p:sp>
+        <p:nvSpPr>
+          <p:cNvPr id="5" name="TextBox 4">
+            <a:extLst>
+              <a:ext uri="{FF2B5EF4-FFF2-40B4-BE49-F238E27FC236}">
+                <a16:creationId xmlns:a16="http://schemas.microsoft.com/office/drawing/2014/main" id="{376EECCC-C08A-AE47-A13B-11881389D1CF}"/>
+              </a:ext>
+            </a:extLst>
+          </p:cNvPr>
+          <p:cNvSpPr txBox="1"/>
+          <p:nvPr/>
+        </p:nvSpPr>
+        <p:spPr>
+          <a:xfrm>
+            <a:off x="457200" y="4072036"/>
+            <a:ext cx="1249060" cy="307777"/>
+          </a:xfrm>
+          <a:prstGeom prst="rect">
+            <a:avLst/>
+          </a:prstGeom>
+          <a:noFill/>
+        </p:spPr>
+        <p:txBody>
+          <a:bodyPr wrap="none" rtlCol="0">
+            <a:spAutoFit/>
+          </a:bodyPr>
+          <a:lstStyle/>
+          <a:p>
+            <a:r>
+              <a:rPr lang="en-US" sz="1400" dirty="0"/>
+              <a:t>ln012/</a:t>
+            </a:r>
+            <a:r>
+              <a:rPr lang="en-US" sz="1400" dirty="0" err="1"/>
+              <a:t>fact.ast</a:t>
+            </a:r>
+            <a:endParaRPr lang="en-US" sz="1400" dirty="0"/>
+          </a:p>
+        </p:txBody>
+      </p:sp>
     </p:spTree>
     <p:extLst>
       <p:ext uri="{BB962C8B-B14F-4D97-AF65-F5344CB8AC3E}">
@@ -7057,6 +7217,86 @@
           </p:txBody>
         </p:sp>
       </p:grpSp>
+      <p:sp>
+        <p:nvSpPr>
+          <p:cNvPr id="10" name="TextBox 9">
+            <a:extLst>
+              <a:ext uri="{FF2B5EF4-FFF2-40B4-BE49-F238E27FC236}">
+                <a16:creationId xmlns:a16="http://schemas.microsoft.com/office/drawing/2014/main" id="{0A9B7C90-B93E-6949-80E4-E64619392472}"/>
+              </a:ext>
+            </a:extLst>
+          </p:cNvPr>
+          <p:cNvSpPr txBox="1"/>
+          <p:nvPr/>
+        </p:nvSpPr>
+        <p:spPr>
+          <a:xfrm>
+            <a:off x="5791200" y="2586138"/>
+            <a:ext cx="1457450" cy="307777"/>
+          </a:xfrm>
+          <a:prstGeom prst="rect">
+            <a:avLst/>
+          </a:prstGeom>
+          <a:noFill/>
+        </p:spPr>
+        <p:txBody>
+          <a:bodyPr wrap="none" rtlCol="0">
+            <a:spAutoFit/>
+          </a:bodyPr>
+          <a:lstStyle/>
+          <a:p>
+            <a:r>
+              <a:rPr lang="en-US" sz="1400" dirty="0"/>
+              <a:t>ln012/</a:t>
+            </a:r>
+            <a:r>
+              <a:rPr lang="en-US" sz="1400" dirty="0" err="1"/>
+              <a:t>reduce.py</a:t>
+            </a:r>
+            <a:endParaRPr lang="en-US" sz="1400" dirty="0"/>
+          </a:p>
+        </p:txBody>
+      </p:sp>
+      <p:sp>
+        <p:nvSpPr>
+          <p:cNvPr id="11" name="TextBox 10">
+            <a:extLst>
+              <a:ext uri="{FF2B5EF4-FFF2-40B4-BE49-F238E27FC236}">
+                <a16:creationId xmlns:a16="http://schemas.microsoft.com/office/drawing/2014/main" id="{4C21712F-1E55-E441-9982-53499D28E66E}"/>
+              </a:ext>
+            </a:extLst>
+          </p:cNvPr>
+          <p:cNvSpPr txBox="1"/>
+          <p:nvPr/>
+        </p:nvSpPr>
+        <p:spPr>
+          <a:xfrm>
+            <a:off x="381000" y="5100249"/>
+            <a:ext cx="1417376" cy="307777"/>
+          </a:xfrm>
+          <a:prstGeom prst="rect">
+            <a:avLst/>
+          </a:prstGeom>
+          <a:noFill/>
+        </p:spPr>
+        <p:txBody>
+          <a:bodyPr wrap="none" rtlCol="0">
+            <a:spAutoFit/>
+          </a:bodyPr>
+          <a:lstStyle/>
+          <a:p>
+            <a:r>
+              <a:rPr lang="en-US" sz="1400" dirty="0"/>
+              <a:t>ln012/</a:t>
+            </a:r>
+            <a:r>
+              <a:rPr lang="en-US" sz="1400" dirty="0" err="1"/>
+              <a:t>reduce.rs</a:t>
+            </a:r>
+            <a:endParaRPr lang="en-US" sz="1400" dirty="0"/>
+          </a:p>
+        </p:txBody>
+      </p:sp>
     </p:spTree>
     <p:extLst>
       <p:ext uri="{BB962C8B-B14F-4D97-AF65-F5344CB8AC3E}">
@@ -8311,6 +8551,41 @@
           </a:ln>
         </p:spPr>
       </p:pic>
+      <p:sp>
+        <p:nvSpPr>
+          <p:cNvPr id="6" name="TextBox 5">
+            <a:extLst>
+              <a:ext uri="{FF2B5EF4-FFF2-40B4-BE49-F238E27FC236}">
+                <a16:creationId xmlns:a16="http://schemas.microsoft.com/office/drawing/2014/main" id="{1CB3FA02-FC64-6F44-9A89-5E453AC6C04D}"/>
+              </a:ext>
+            </a:extLst>
+          </p:cNvPr>
+          <p:cNvSpPr txBox="1"/>
+          <p:nvPr/>
+        </p:nvSpPr>
+        <p:spPr>
+          <a:xfrm>
+            <a:off x="2215662" y="6400800"/>
+            <a:ext cx="1726755" cy="307777"/>
+          </a:xfrm>
+          <a:prstGeom prst="rect">
+            <a:avLst/>
+          </a:prstGeom>
+          <a:noFill/>
+        </p:spPr>
+        <p:txBody>
+          <a:bodyPr wrap="none" rtlCol="0">
+            <a:spAutoFit/>
+          </a:bodyPr>
+          <a:lstStyle/>
+          <a:p>
+            <a:r>
+              <a:rPr lang="en-US" sz="1400" dirty="0"/>
+              <a:t>ln012/dispatch2.ast</a:t>
+            </a:r>
+          </a:p>
+        </p:txBody>
+      </p:sp>
     </p:spTree>
     <p:extLst>
       <p:ext uri="{BB962C8B-B14F-4D97-AF65-F5344CB8AC3E}">
@@ -8733,6 +9008,46 @@
           </a:ln>
         </p:spPr>
       </p:pic>
+      <p:sp>
+        <p:nvSpPr>
+          <p:cNvPr id="6" name="TextBox 5">
+            <a:extLst>
+              <a:ext uri="{FF2B5EF4-FFF2-40B4-BE49-F238E27FC236}">
+                <a16:creationId xmlns:a16="http://schemas.microsoft.com/office/drawing/2014/main" id="{2DA3C4EC-54C7-F046-9F7D-AC2011235F94}"/>
+              </a:ext>
+            </a:extLst>
+          </p:cNvPr>
+          <p:cNvSpPr txBox="1"/>
+          <p:nvPr/>
+        </p:nvSpPr>
+        <p:spPr>
+          <a:xfrm>
+            <a:off x="2321169" y="5849815"/>
+            <a:ext cx="1308371" cy="307777"/>
+          </a:xfrm>
+          <a:prstGeom prst="rect">
+            <a:avLst/>
+          </a:prstGeom>
+          <a:noFill/>
+        </p:spPr>
+        <p:txBody>
+          <a:bodyPr wrap="none" rtlCol="0">
+            <a:spAutoFit/>
+          </a:bodyPr>
+          <a:lstStyle/>
+          <a:p>
+            <a:r>
+              <a:rPr lang="en-US" sz="1400" dirty="0"/>
+              <a:t>ln012/</a:t>
+            </a:r>
+            <a:r>
+              <a:rPr lang="en-US" sz="1400" dirty="0" err="1"/>
+              <a:t>map.ast</a:t>
+            </a:r>
+            <a:endParaRPr lang="en-US" sz="1400" dirty="0"/>
+          </a:p>
+        </p:txBody>
+      </p:sp>
     </p:spTree>
     <p:extLst>
       <p:ext uri="{BB962C8B-B14F-4D97-AF65-F5344CB8AC3E}">

--- a/notes/csc493-ln012.pptx
+++ b/notes/csc493-ln012.pptx
@@ -5,27 +5,28 @@
     <p:sldMasterId id="2147483651" r:id="rId1"/>
   </p:sldMasterIdLst>
   <p:notesMasterIdLst>
-    <p:notesMasterId r:id="rId17"/>
+    <p:notesMasterId r:id="rId18"/>
   </p:notesMasterIdLst>
   <p:handoutMasterIdLst>
-    <p:handoutMasterId r:id="rId18"/>
+    <p:handoutMasterId r:id="rId19"/>
   </p:handoutMasterIdLst>
   <p:sldIdLst>
     <p:sldId id="267" r:id="rId2"/>
     <p:sldId id="268" r:id="rId3"/>
     <p:sldId id="269" r:id="rId4"/>
     <p:sldId id="270" r:id="rId5"/>
-    <p:sldId id="271" r:id="rId6"/>
-    <p:sldId id="272" r:id="rId7"/>
-    <p:sldId id="273" r:id="rId8"/>
-    <p:sldId id="274" r:id="rId9"/>
-    <p:sldId id="275" r:id="rId10"/>
-    <p:sldId id="276" r:id="rId11"/>
-    <p:sldId id="277" r:id="rId12"/>
-    <p:sldId id="278" r:id="rId13"/>
-    <p:sldId id="279" r:id="rId14"/>
-    <p:sldId id="280" r:id="rId15"/>
-    <p:sldId id="281" r:id="rId16"/>
+    <p:sldId id="282" r:id="rId6"/>
+    <p:sldId id="271" r:id="rId7"/>
+    <p:sldId id="272" r:id="rId8"/>
+    <p:sldId id="273" r:id="rId9"/>
+    <p:sldId id="274" r:id="rId10"/>
+    <p:sldId id="275" r:id="rId11"/>
+    <p:sldId id="276" r:id="rId12"/>
+    <p:sldId id="277" r:id="rId13"/>
+    <p:sldId id="278" r:id="rId14"/>
+    <p:sldId id="279" r:id="rId15"/>
+    <p:sldId id="280" r:id="rId16"/>
+    <p:sldId id="281" r:id="rId17"/>
   </p:sldIdLst>
   <p:sldSz cx="9144000" cy="6858000" type="screen4x3"/>
   <p:notesSz cx="6856413" cy="9083675"/>
@@ -5837,6 +5838,181 @@
       </p:grpSpPr>
       <p:sp>
         <p:nvSpPr>
+          <p:cNvPr id="2" name="Title 1">
+            <a:extLst>
+              <a:ext uri="{FF2B5EF4-FFF2-40B4-BE49-F238E27FC236}">
+                <a16:creationId xmlns:a16="http://schemas.microsoft.com/office/drawing/2014/main" id="{3F63E95B-F63C-B748-9765-4EF39EF7323E}"/>
+              </a:ext>
+            </a:extLst>
+          </p:cNvPr>
+          <p:cNvSpPr>
+            <a:spLocks noGrp="1"/>
+          </p:cNvSpPr>
+          <p:nvPr>
+            <p:ph type="title"/>
+          </p:nvPr>
+        </p:nvSpPr>
+        <p:spPr/>
+        <p:txBody>
+          <a:bodyPr/>
+          <a:lstStyle/>
+          <a:p>
+            <a:r>
+              <a:rPr lang="en-US" dirty="0"/>
+              <a:t>Map</a:t>
+            </a:r>
+          </a:p>
+        </p:txBody>
+      </p:sp>
+      <p:sp>
+        <p:nvSpPr>
+          <p:cNvPr id="3" name="Content Placeholder 2">
+            <a:extLst>
+              <a:ext uri="{FF2B5EF4-FFF2-40B4-BE49-F238E27FC236}">
+                <a16:creationId xmlns:a16="http://schemas.microsoft.com/office/drawing/2014/main" id="{25128041-D109-BC4F-AD89-94874042B29D}"/>
+              </a:ext>
+            </a:extLst>
+          </p:cNvPr>
+          <p:cNvSpPr>
+            <a:spLocks noGrp="1"/>
+          </p:cNvSpPr>
+          <p:nvPr>
+            <p:ph idx="1"/>
+          </p:nvPr>
+        </p:nvSpPr>
+        <p:spPr>
+          <a:xfrm>
+            <a:off x="1524000" y="1905000"/>
+            <a:ext cx="7010400" cy="1981200"/>
+          </a:xfrm>
+        </p:spPr>
+        <p:txBody>
+          <a:bodyPr>
+            <a:normAutofit fontScale="92500" lnSpcReduction="20000"/>
+          </a:bodyPr>
+          <a:lstStyle/>
+          <a:p>
+            <a:r>
+              <a:rPr lang="en-US" dirty="0"/>
+              <a:t>One interesting application of map is the transformation of a simple list constructor into any kind of list</a:t>
+            </a:r>
+          </a:p>
+          <a:p>
+            <a:pPr lvl="1"/>
+            <a:r>
+              <a:rPr lang="en-US" dirty="0"/>
+              <a:t>Here we compute a list of alternating 1’s and -1’s.</a:t>
+            </a:r>
+          </a:p>
+        </p:txBody>
+      </p:sp>
+      <p:pic>
+        <p:nvPicPr>
+          <p:cNvPr id="5" name="Picture 4">
+            <a:extLst>
+              <a:ext uri="{FF2B5EF4-FFF2-40B4-BE49-F238E27FC236}">
+                <a16:creationId xmlns:a16="http://schemas.microsoft.com/office/drawing/2014/main" id="{31D40F87-97AE-A245-A896-D3403FA1F33C}"/>
+              </a:ext>
+            </a:extLst>
+          </p:cNvPr>
+          <p:cNvPicPr>
+            <a:picLocks noChangeAspect="1"/>
+          </p:cNvPicPr>
+          <p:nvPr/>
+        </p:nvPicPr>
+        <p:blipFill>
+          <a:blip r:embed="rId2"/>
+          <a:stretch>
+            <a:fillRect/>
+          </a:stretch>
+        </p:blipFill>
+        <p:spPr>
+          <a:xfrm>
+            <a:off x="1524000" y="4267200"/>
+            <a:ext cx="5842000" cy="1409700"/>
+          </a:xfrm>
+          <a:prstGeom prst="rect">
+            <a:avLst/>
+          </a:prstGeom>
+          <a:ln>
+            <a:solidFill>
+              <a:schemeClr val="tx1"/>
+            </a:solidFill>
+          </a:ln>
+        </p:spPr>
+      </p:pic>
+      <p:sp>
+        <p:nvSpPr>
+          <p:cNvPr id="6" name="TextBox 5">
+            <a:extLst>
+              <a:ext uri="{FF2B5EF4-FFF2-40B4-BE49-F238E27FC236}">
+                <a16:creationId xmlns:a16="http://schemas.microsoft.com/office/drawing/2014/main" id="{2DA3C4EC-54C7-F046-9F7D-AC2011235F94}"/>
+              </a:ext>
+            </a:extLst>
+          </p:cNvPr>
+          <p:cNvSpPr txBox="1"/>
+          <p:nvPr/>
+        </p:nvSpPr>
+        <p:spPr>
+          <a:xfrm>
+            <a:off x="2321169" y="5849815"/>
+            <a:ext cx="1308371" cy="307777"/>
+          </a:xfrm>
+          <a:prstGeom prst="rect">
+            <a:avLst/>
+          </a:prstGeom>
+          <a:noFill/>
+        </p:spPr>
+        <p:txBody>
+          <a:bodyPr wrap="none" rtlCol="0">
+            <a:spAutoFit/>
+          </a:bodyPr>
+          <a:lstStyle/>
+          <a:p>
+            <a:r>
+              <a:rPr lang="en-US" sz="1400" dirty="0"/>
+              <a:t>ln012/</a:t>
+            </a:r>
+            <a:r>
+              <a:rPr lang="en-US" sz="1400" dirty="0" err="1"/>
+              <a:t>map.ast</a:t>
+            </a:r>
+            <a:endParaRPr lang="en-US" sz="1400" dirty="0"/>
+          </a:p>
+        </p:txBody>
+      </p:sp>
+    </p:spTree>
+    <p:extLst>
+      <p:ext uri="{BB962C8B-B14F-4D97-AF65-F5344CB8AC3E}">
+        <p14:creationId xmlns:p14="http://schemas.microsoft.com/office/powerpoint/2010/main" val="2668458134"/>
+      </p:ext>
+    </p:extLst>
+  </p:cSld>
+  <p:clrMapOvr>
+    <a:masterClrMapping/>
+  </p:clrMapOvr>
+</p:sld>
+</file>
+
+<file path=ppt/slides/slide11.xml><?xml version="1.0" encoding="utf-8"?>
+<p:sld xmlns:a="http://schemas.openxmlformats.org/drawingml/2006/main" xmlns:r="http://schemas.openxmlformats.org/officeDocument/2006/relationships" xmlns:p="http://schemas.openxmlformats.org/presentationml/2006/main">
+  <p:cSld>
+    <p:spTree>
+      <p:nvGrpSpPr>
+        <p:cNvPr id="1" name=""/>
+        <p:cNvGrpSpPr/>
+        <p:nvPr/>
+      </p:nvGrpSpPr>
+      <p:grpSpPr>
+        <a:xfrm>
+          <a:off x="0" y="0"/>
+          <a:ext cx="0" cy="0"/>
+          <a:chOff x="0" y="0"/>
+          <a:chExt cx="0" cy="0"/>
+        </a:xfrm>
+      </p:grpSpPr>
+      <p:sp>
+        <p:nvSpPr>
           <p:cNvPr id="4" name="Title 3">
             <a:extLst>
               <a:ext uri="{FF2B5EF4-FFF2-40B4-BE49-F238E27FC236}">
@@ -6173,7 +6349,7 @@
 </p:sld>
 </file>
 
-<file path=ppt/slides/slide11.xml><?xml version="1.0" encoding="utf-8"?>
+<file path=ppt/slides/slide12.xml><?xml version="1.0" encoding="utf-8"?>
 <p:sld xmlns:a="http://schemas.openxmlformats.org/drawingml/2006/main" xmlns:r="http://schemas.openxmlformats.org/officeDocument/2006/relationships" xmlns:p="http://schemas.openxmlformats.org/presentationml/2006/main">
   <p:cSld>
     <p:spTree>
@@ -6274,7 +6450,7 @@
 </p:sld>
 </file>
 
-<file path=ppt/slides/slide12.xml><?xml version="1.0" encoding="utf-8"?>
+<file path=ppt/slides/slide13.xml><?xml version="1.0" encoding="utf-8"?>
 <p:sld xmlns:a="http://schemas.openxmlformats.org/drawingml/2006/main" xmlns:r="http://schemas.openxmlformats.org/officeDocument/2006/relationships" xmlns:p="http://schemas.openxmlformats.org/presentationml/2006/main">
   <p:cSld>
     <p:spTree>
@@ -6572,7 +6748,7 @@
 </p:sld>
 </file>
 
-<file path=ppt/slides/slide13.xml><?xml version="1.0" encoding="utf-8"?>
+<file path=ppt/slides/slide14.xml><?xml version="1.0" encoding="utf-8"?>
 <p:sld xmlns:a="http://schemas.openxmlformats.org/drawingml/2006/main" xmlns:r="http://schemas.openxmlformats.org/officeDocument/2006/relationships" xmlns:p="http://schemas.openxmlformats.org/presentationml/2006/main">
   <p:cSld>
     <p:spTree>
@@ -6738,7 +6914,7 @@
 </p:sld>
 </file>
 
-<file path=ppt/slides/slide14.xml><?xml version="1.0" encoding="utf-8"?>
+<file path=ppt/slides/slide15.xml><?xml version="1.0" encoding="utf-8"?>
 <p:sld xmlns:a="http://schemas.openxmlformats.org/drawingml/2006/main" xmlns:r="http://schemas.openxmlformats.org/officeDocument/2006/relationships" xmlns:p="http://schemas.openxmlformats.org/presentationml/2006/main">
   <p:cSld>
     <p:spTree>
@@ -6990,7 +7166,7 @@
 </p:sld>
 </file>
 
-<file path=ppt/slides/slide15.xml><?xml version="1.0" encoding="utf-8"?>
+<file path=ppt/slides/slide16.xml><?xml version="1.0" encoding="utf-8"?>
 <p:sld xmlns:a="http://schemas.openxmlformats.org/drawingml/2006/main" xmlns:r="http://schemas.openxmlformats.org/officeDocument/2006/relationships" xmlns:p="http://schemas.openxmlformats.org/presentationml/2006/main">
   <p:cSld>
     <p:spTree>
@@ -8395,7 +8571,7 @@
           <p:cNvPr id="2" name="Title 1">
             <a:extLst>
               <a:ext uri="{FF2B5EF4-FFF2-40B4-BE49-F238E27FC236}">
-                <a16:creationId xmlns:a16="http://schemas.microsoft.com/office/drawing/2014/main" id="{039844B2-1466-104B-B0D1-0473FC6C7319}"/>
+                <a16:creationId xmlns:a16="http://schemas.microsoft.com/office/drawing/2014/main" id="{021A501A-9C4C-F246-89CE-E55C7D571C12}"/>
               </a:ext>
             </a:extLst>
           </p:cNvPr>
@@ -8413,7 +8589,7 @@
           <a:p>
             <a:r>
               <a:rPr lang="en-US" dirty="0"/>
-              <a:t>Dispatch Tables</a:t>
+              <a:t>Modifying Behavior of a Function</a:t>
             </a:r>
           </a:p>
         </p:txBody>
@@ -8423,7 +8599,7 @@
           <p:cNvPr id="3" name="Content Placeholder 2">
             <a:extLst>
               <a:ext uri="{FF2B5EF4-FFF2-40B4-BE49-F238E27FC236}">
-                <a16:creationId xmlns:a16="http://schemas.microsoft.com/office/drawing/2014/main" id="{E0042377-7E50-A24D-98F7-9E95F19C1335}"/>
+                <a16:creationId xmlns:a16="http://schemas.microsoft.com/office/drawing/2014/main" id="{8945D3C8-52F9-0344-AFAA-5149E1AEB867}"/>
               </a:ext>
             </a:extLst>
           </p:cNvPr>
@@ -8434,34 +8610,287 @@
             <p:ph idx="1"/>
           </p:nvPr>
         </p:nvSpPr>
-        <p:spPr/>
-        <p:txBody>
-          <a:bodyPr/>
+        <p:spPr>
+          <a:xfrm>
+            <a:off x="1524000" y="1905000"/>
+            <a:ext cx="7010400" cy="1219200"/>
+          </a:xfrm>
+        </p:spPr>
+        <p:txBody>
+          <a:bodyPr>
+            <a:normAutofit fontScale="92500" lnSpcReduction="20000"/>
+          </a:bodyPr>
           <a:lstStyle/>
           <a:p>
             <a:r>
               <a:rPr lang="en-US" dirty="0"/>
-              <a:t>We can also associate behavior with appropriate keys in a dispatch table.</a:t>
-            </a:r>
-          </a:p>
-          <a:p>
-            <a:r>
+              <a:t>The Asteroid sort module is another example,</a:t>
+            </a:r>
+            <a:br>
               <a:rPr lang="en-US" dirty="0"/>
-              <a:t>We can then dispatch (lookup) desired behavior given specific keys.</a:t>
-            </a:r>
-          </a:p>
-          <a:p>
+            </a:br>
             <a:r>
               <a:rPr lang="en-US" dirty="0"/>
-              <a:t>Example: A generic ‘calculate’ function that takes two values and a key symbol and then performs the appropriate computation.</a:t>
-            </a:r>
+              <a:t>	</a:t>
+            </a:r>
+            <a:r>
+              <a:rPr lang="en-US" i="0" dirty="0">
+                <a:solidFill>
+                  <a:srgbClr val="404040"/>
+                </a:solidFill>
+                <a:effectLst/>
+                <a:latin typeface="Lato" panose="020F0502020204030203" pitchFamily="34" charset="0"/>
+              </a:rPr>
+              <a:t>sort @sort (p:%function, l:%list)</a:t>
+            </a:r>
+            <a:endParaRPr lang="en-US" dirty="0"/>
+          </a:p>
+        </p:txBody>
+      </p:sp>
+      <p:pic>
+        <p:nvPicPr>
+          <p:cNvPr id="4" name="Picture 3">
+            <a:extLst>
+              <a:ext uri="{FF2B5EF4-FFF2-40B4-BE49-F238E27FC236}">
+                <a16:creationId xmlns:a16="http://schemas.microsoft.com/office/drawing/2014/main" id="{DE1687F1-96D7-3C45-BDDD-3D6303165AB4}"/>
+              </a:ext>
+            </a:extLst>
+          </p:cNvPr>
+          <p:cNvPicPr>
+            <a:picLocks noChangeAspect="1"/>
+          </p:cNvPicPr>
+          <p:nvPr/>
+        </p:nvPicPr>
+        <p:blipFill>
+          <a:blip r:embed="rId2"/>
+          <a:stretch>
+            <a:fillRect/>
+          </a:stretch>
+        </p:blipFill>
+        <p:spPr>
+          <a:xfrm>
+            <a:off x="381000" y="3468811"/>
+            <a:ext cx="4648200" cy="1541672"/>
+          </a:xfrm>
+          <a:prstGeom prst="rect">
+            <a:avLst/>
+          </a:prstGeom>
+          <a:ln>
+            <a:solidFill>
+              <a:schemeClr val="tx1"/>
+            </a:solidFill>
+          </a:ln>
+        </p:spPr>
+      </p:pic>
+      <p:sp>
+        <p:nvSpPr>
+          <p:cNvPr id="5" name="Down Arrow 4">
+            <a:extLst>
+              <a:ext uri="{FF2B5EF4-FFF2-40B4-BE49-F238E27FC236}">
+                <a16:creationId xmlns:a16="http://schemas.microsoft.com/office/drawing/2014/main" id="{E52BACD1-EC3F-A54B-B209-97F0F0ED6C25}"/>
+              </a:ext>
+            </a:extLst>
+          </p:cNvPr>
+          <p:cNvSpPr/>
+          <p:nvPr/>
+        </p:nvSpPr>
+        <p:spPr bwMode="auto">
+          <a:xfrm>
+            <a:off x="3581400" y="3733801"/>
+            <a:ext cx="152400" cy="304799"/>
+          </a:xfrm>
+          <a:prstGeom prst="downArrow">
+            <a:avLst/>
+          </a:prstGeom>
+          <a:solidFill>
+            <a:srgbClr val="FF0000"/>
+          </a:solidFill>
+          <a:ln w="9525" cap="flat" cmpd="sng" algn="ctr">
+            <a:solidFill>
+              <a:schemeClr val="tx1"/>
+            </a:solidFill>
+            <a:prstDash val="solid"/>
+            <a:round/>
+            <a:headEnd type="none" w="med" len="med"/>
+            <a:tailEnd type="none" w="med" len="med"/>
+          </a:ln>
+          <a:effectLst/>
+          <a:extLst>
+            <a:ext uri="{AF507438-7753-43e0-B8FC-AC1667EBCBE1}">
+              <a14:hiddenEffects xmlns:a14="http://schemas.microsoft.com/office/drawing/2010/main" xmlns="">
+                <a:effectLst>
+                  <a:outerShdw blurRad="63500" dist="38099" dir="2700000" algn="ctr" rotWithShape="0">
+                    <a:schemeClr val="bg2">
+                      <a:alpha val="74998"/>
+                    </a:schemeClr>
+                  </a:outerShdw>
+                </a:effectLst>
+              </a14:hiddenEffects>
+            </a:ext>
+          </a:extLst>
+        </p:spPr>
+        <p:txBody>
+          <a:bodyPr vert="horz" wrap="square" lIns="91440" tIns="45720" rIns="91440" bIns="45720" numCol="1" rtlCol="0" anchor="t" anchorCtr="0" compatLnSpc="1">
+            <a:prstTxWarp prst="textNoShape">
+              <a:avLst/>
+            </a:prstTxWarp>
+          </a:bodyPr>
+          <a:lstStyle/>
+          <a:p>
+            <a:pPr marL="0" marR="0" indent="0" algn="l" defTabSz="914400" rtl="0" eaLnBrk="0" fontAlgn="base" latinLnBrk="0" hangingPunct="0">
+              <a:lnSpc>
+                <a:spcPct val="100000"/>
+              </a:lnSpc>
+              <a:spcBef>
+                <a:spcPct val="0"/>
+              </a:spcBef>
+              <a:spcAft>
+                <a:spcPct val="0"/>
+              </a:spcAft>
+              <a:buClrTx/>
+              <a:buSzTx/>
+              <a:buFontTx/>
+              <a:buNone/>
+              <a:tabLst/>
+            </a:pPr>
+            <a:endParaRPr kumimoji="0" lang="en-US" sz="1600" b="0" i="0" u="none" strike="noStrike" cap="none" normalizeH="0" baseline="0">
+              <a:ln>
+                <a:noFill/>
+              </a:ln>
+              <a:solidFill>
+                <a:srgbClr val="000000"/>
+              </a:solidFill>
+              <a:effectLst/>
+              <a:latin typeface="Arial" charset="0"/>
+              <a:ea typeface="ＭＳ Ｐゴシック" charset="0"/>
+            </a:endParaRPr>
+          </a:p>
+        </p:txBody>
+      </p:sp>
+      <p:pic>
+        <p:nvPicPr>
+          <p:cNvPr id="6" name="Picture 5">
+            <a:extLst>
+              <a:ext uri="{FF2B5EF4-FFF2-40B4-BE49-F238E27FC236}">
+                <a16:creationId xmlns:a16="http://schemas.microsoft.com/office/drawing/2014/main" id="{EC66A410-565F-2243-8E60-7AE33ADB8B66}"/>
+              </a:ext>
+            </a:extLst>
+          </p:cNvPr>
+          <p:cNvPicPr>
+            <a:picLocks noChangeAspect="1"/>
+          </p:cNvPicPr>
+          <p:nvPr/>
+        </p:nvPicPr>
+        <p:blipFill>
+          <a:blip r:embed="rId3"/>
+          <a:stretch>
+            <a:fillRect/>
+          </a:stretch>
+        </p:blipFill>
+        <p:spPr>
+          <a:xfrm>
+            <a:off x="3505200" y="4875336"/>
+            <a:ext cx="4648200" cy="1506898"/>
+          </a:xfrm>
+          <a:prstGeom prst="rect">
+            <a:avLst/>
+          </a:prstGeom>
+          <a:ln>
+            <a:solidFill>
+              <a:schemeClr val="tx1"/>
+            </a:solidFill>
+          </a:ln>
+        </p:spPr>
+      </p:pic>
+      <p:sp>
+        <p:nvSpPr>
+          <p:cNvPr id="7" name="Down Arrow 6">
+            <a:extLst>
+              <a:ext uri="{FF2B5EF4-FFF2-40B4-BE49-F238E27FC236}">
+                <a16:creationId xmlns:a16="http://schemas.microsoft.com/office/drawing/2014/main" id="{894322F7-7BB4-3041-9383-0E8E64C75E88}"/>
+              </a:ext>
+            </a:extLst>
+          </p:cNvPr>
+          <p:cNvSpPr/>
+          <p:nvPr/>
+        </p:nvSpPr>
+        <p:spPr bwMode="auto">
+          <a:xfrm>
+            <a:off x="6781800" y="5181600"/>
+            <a:ext cx="152400" cy="304799"/>
+          </a:xfrm>
+          <a:prstGeom prst="downArrow">
+            <a:avLst/>
+          </a:prstGeom>
+          <a:solidFill>
+            <a:srgbClr val="FF0000"/>
+          </a:solidFill>
+          <a:ln w="9525" cap="flat" cmpd="sng" algn="ctr">
+            <a:solidFill>
+              <a:schemeClr val="tx1"/>
+            </a:solidFill>
+            <a:prstDash val="solid"/>
+            <a:round/>
+            <a:headEnd type="none" w="med" len="med"/>
+            <a:tailEnd type="none" w="med" len="med"/>
+          </a:ln>
+          <a:effectLst/>
+          <a:extLst>
+            <a:ext uri="{AF507438-7753-43e0-B8FC-AC1667EBCBE1}">
+              <a14:hiddenEffects xmlns:a14="http://schemas.microsoft.com/office/drawing/2010/main" xmlns="">
+                <a:effectLst>
+                  <a:outerShdw blurRad="63500" dist="38099" dir="2700000" algn="ctr" rotWithShape="0">
+                    <a:schemeClr val="bg2">
+                      <a:alpha val="74998"/>
+                    </a:schemeClr>
+                  </a:outerShdw>
+                </a:effectLst>
+              </a14:hiddenEffects>
+            </a:ext>
+          </a:extLst>
+        </p:spPr>
+        <p:txBody>
+          <a:bodyPr vert="horz" wrap="square" lIns="91440" tIns="45720" rIns="91440" bIns="45720" numCol="1" rtlCol="0" anchor="t" anchorCtr="0" compatLnSpc="1">
+            <a:prstTxWarp prst="textNoShape">
+              <a:avLst/>
+            </a:prstTxWarp>
+          </a:bodyPr>
+          <a:lstStyle/>
+          <a:p>
+            <a:pPr marL="0" marR="0" indent="0" algn="l" defTabSz="914400" rtl="0" eaLnBrk="0" fontAlgn="base" latinLnBrk="0" hangingPunct="0">
+              <a:lnSpc>
+                <a:spcPct val="100000"/>
+              </a:lnSpc>
+              <a:spcBef>
+                <a:spcPct val="0"/>
+              </a:spcBef>
+              <a:spcAft>
+                <a:spcPct val="0"/>
+              </a:spcAft>
+              <a:buClrTx/>
+              <a:buSzTx/>
+              <a:buFontTx/>
+              <a:buNone/>
+              <a:tabLst/>
+            </a:pPr>
+            <a:endParaRPr kumimoji="0" lang="en-US" sz="1600" b="0" i="0" u="none" strike="noStrike" cap="none" normalizeH="0" baseline="0">
+              <a:ln>
+                <a:noFill/>
+              </a:ln>
+              <a:solidFill>
+                <a:srgbClr val="000000"/>
+              </a:solidFill>
+              <a:effectLst/>
+              <a:latin typeface="Arial" charset="0"/>
+              <a:ea typeface="ＭＳ Ｐゴシック" charset="0"/>
+            </a:endParaRPr>
           </a:p>
         </p:txBody>
       </p:sp>
     </p:spTree>
     <p:extLst>
       <p:ext uri="{BB962C8B-B14F-4D97-AF65-F5344CB8AC3E}">
-        <p14:creationId xmlns:p14="http://schemas.microsoft.com/office/powerpoint/2010/main" val="2391060302"/>
+        <p14:creationId xmlns:p14="http://schemas.microsoft.com/office/powerpoint/2010/main" val="3889959361"/>
       </p:ext>
     </p:extLst>
   </p:cSld>
@@ -8490,10 +8919,10 @@
       </p:grpSpPr>
       <p:sp>
         <p:nvSpPr>
-          <p:cNvPr id="4" name="Title 3">
-            <a:extLst>
-              <a:ext uri="{FF2B5EF4-FFF2-40B4-BE49-F238E27FC236}">
-                <a16:creationId xmlns:a16="http://schemas.microsoft.com/office/drawing/2014/main" id="{5F7C4801-D143-DE4C-B7DA-45A0B6788DA9}"/>
+          <p:cNvPr id="2" name="Title 1">
+            <a:extLst>
+              <a:ext uri="{FF2B5EF4-FFF2-40B4-BE49-F238E27FC236}">
+                <a16:creationId xmlns:a16="http://schemas.microsoft.com/office/drawing/2014/main" id="{039844B2-1466-104B-B0D1-0473FC6C7319}"/>
               </a:ext>
             </a:extLst>
           </p:cNvPr>
@@ -8516,72 +8945,42 @@
           </a:p>
         </p:txBody>
       </p:sp>
-      <p:pic>
-        <p:nvPicPr>
-          <p:cNvPr id="5" name="Picture 4">
-            <a:extLst>
-              <a:ext uri="{FF2B5EF4-FFF2-40B4-BE49-F238E27FC236}">
-                <a16:creationId xmlns:a16="http://schemas.microsoft.com/office/drawing/2014/main" id="{644B65F1-7F19-B948-A4D6-200C53C87F6C}"/>
-              </a:ext>
-            </a:extLst>
-          </p:cNvPr>
-          <p:cNvPicPr>
-            <a:picLocks noChangeAspect="1"/>
-          </p:cNvPicPr>
-          <p:nvPr/>
-        </p:nvPicPr>
-        <p:blipFill>
-          <a:blip r:embed="rId2"/>
-          <a:stretch>
-            <a:fillRect/>
-          </a:stretch>
-        </p:blipFill>
-        <p:spPr>
-          <a:xfrm>
-            <a:off x="1905000" y="1735260"/>
-            <a:ext cx="4495800" cy="4610100"/>
-          </a:xfrm>
-          <a:prstGeom prst="rect">
-            <a:avLst/>
-          </a:prstGeom>
-          <a:ln>
-            <a:solidFill>
-              <a:schemeClr val="tx1"/>
-            </a:solidFill>
-          </a:ln>
-        </p:spPr>
-      </p:pic>
-      <p:sp>
-        <p:nvSpPr>
-          <p:cNvPr id="6" name="TextBox 5">
-            <a:extLst>
-              <a:ext uri="{FF2B5EF4-FFF2-40B4-BE49-F238E27FC236}">
-                <a16:creationId xmlns:a16="http://schemas.microsoft.com/office/drawing/2014/main" id="{1CB3FA02-FC64-6F44-9A89-5E453AC6C04D}"/>
-              </a:ext>
-            </a:extLst>
-          </p:cNvPr>
-          <p:cNvSpPr txBox="1"/>
-          <p:nvPr/>
-        </p:nvSpPr>
-        <p:spPr>
-          <a:xfrm>
-            <a:off x="2215662" y="6400800"/>
-            <a:ext cx="1726755" cy="307777"/>
-          </a:xfrm>
-          <a:prstGeom prst="rect">
-            <a:avLst/>
-          </a:prstGeom>
-          <a:noFill/>
-        </p:spPr>
-        <p:txBody>
-          <a:bodyPr wrap="none" rtlCol="0">
-            <a:spAutoFit/>
-          </a:bodyPr>
+      <p:sp>
+        <p:nvSpPr>
+          <p:cNvPr id="3" name="Content Placeholder 2">
+            <a:extLst>
+              <a:ext uri="{FF2B5EF4-FFF2-40B4-BE49-F238E27FC236}">
+                <a16:creationId xmlns:a16="http://schemas.microsoft.com/office/drawing/2014/main" id="{E0042377-7E50-A24D-98F7-9E95F19C1335}"/>
+              </a:ext>
+            </a:extLst>
+          </p:cNvPr>
+          <p:cNvSpPr>
+            <a:spLocks noGrp="1"/>
+          </p:cNvSpPr>
+          <p:nvPr>
+            <p:ph idx="1"/>
+          </p:nvPr>
+        </p:nvSpPr>
+        <p:spPr/>
+        <p:txBody>
+          <a:bodyPr/>
           <a:lstStyle/>
           <a:p>
             <a:r>
-              <a:rPr lang="en-US" sz="1400" dirty="0"/>
-              <a:t>ln012/dispatch2.ast</a:t>
+              <a:rPr lang="en-US" dirty="0"/>
+              <a:t>We can also associate behavior with appropriate keys in a dispatch table.</a:t>
+            </a:r>
+          </a:p>
+          <a:p>
+            <a:r>
+              <a:rPr lang="en-US" dirty="0"/>
+              <a:t>We can then dispatch (lookup) desired behavior given specific keys.</a:t>
+            </a:r>
+          </a:p>
+          <a:p>
+            <a:r>
+              <a:rPr lang="en-US" dirty="0"/>
+              <a:t>Example: A generic ‘calculate’ function that takes two values and a key symbol and then performs the appropriate computation.</a:t>
             </a:r>
           </a:p>
         </p:txBody>
@@ -8589,7 +8988,7 @@
     </p:spTree>
     <p:extLst>
       <p:ext uri="{BB962C8B-B14F-4D97-AF65-F5344CB8AC3E}">
-        <p14:creationId xmlns:p14="http://schemas.microsoft.com/office/powerpoint/2010/main" val="63901255"/>
+        <p14:creationId xmlns:p14="http://schemas.microsoft.com/office/powerpoint/2010/main" val="2391060302"/>
       </p:ext>
     </p:extLst>
   </p:cSld>
@@ -8618,10 +9017,10 @@
       </p:grpSpPr>
       <p:sp>
         <p:nvSpPr>
-          <p:cNvPr id="2" name="Title 1">
-            <a:extLst>
-              <a:ext uri="{FF2B5EF4-FFF2-40B4-BE49-F238E27FC236}">
-                <a16:creationId xmlns:a16="http://schemas.microsoft.com/office/drawing/2014/main" id="{4910367C-BDD7-C445-9E46-010FE0418155}"/>
+          <p:cNvPr id="4" name="Title 3">
+            <a:extLst>
+              <a:ext uri="{FF2B5EF4-FFF2-40B4-BE49-F238E27FC236}">
+                <a16:creationId xmlns:a16="http://schemas.microsoft.com/office/drawing/2014/main" id="{5F7C4801-D143-DE4C-B7DA-45A0B6788DA9}"/>
               </a:ext>
             </a:extLst>
           </p:cNvPr>
@@ -8639,49 +9038,77 @@
           <a:p>
             <a:r>
               <a:rPr lang="en-US" dirty="0"/>
-              <a:t>Map &amp; Reduce</a:t>
-            </a:r>
-          </a:p>
-        </p:txBody>
-      </p:sp>
-      <p:sp>
-        <p:nvSpPr>
-          <p:cNvPr id="3" name="Content Placeholder 2">
-            <a:extLst>
-              <a:ext uri="{FF2B5EF4-FFF2-40B4-BE49-F238E27FC236}">
-                <a16:creationId xmlns:a16="http://schemas.microsoft.com/office/drawing/2014/main" id="{B0B6EA71-15FE-084F-B79F-2108C65A67A9}"/>
-              </a:ext>
-            </a:extLst>
-          </p:cNvPr>
-          <p:cNvSpPr>
-            <a:spLocks noGrp="1"/>
-          </p:cNvSpPr>
-          <p:nvPr>
-            <p:ph idx="1"/>
-          </p:nvPr>
-        </p:nvSpPr>
-        <p:spPr/>
-        <p:txBody>
-          <a:bodyPr/>
+              <a:t>Dispatch Tables</a:t>
+            </a:r>
+          </a:p>
+        </p:txBody>
+      </p:sp>
+      <p:pic>
+        <p:nvPicPr>
+          <p:cNvPr id="5" name="Picture 4">
+            <a:extLst>
+              <a:ext uri="{FF2B5EF4-FFF2-40B4-BE49-F238E27FC236}">
+                <a16:creationId xmlns:a16="http://schemas.microsoft.com/office/drawing/2014/main" id="{644B65F1-7F19-B948-A4D6-200C53C87F6C}"/>
+              </a:ext>
+            </a:extLst>
+          </p:cNvPr>
+          <p:cNvPicPr>
+            <a:picLocks noChangeAspect="1"/>
+          </p:cNvPicPr>
+          <p:nvPr/>
+        </p:nvPicPr>
+        <p:blipFill>
+          <a:blip r:embed="rId2"/>
+          <a:stretch>
+            <a:fillRect/>
+          </a:stretch>
+        </p:blipFill>
+        <p:spPr>
+          <a:xfrm>
+            <a:off x="1905000" y="1735260"/>
+            <a:ext cx="4495800" cy="4610100"/>
+          </a:xfrm>
+          <a:prstGeom prst="rect">
+            <a:avLst/>
+          </a:prstGeom>
+          <a:ln>
+            <a:solidFill>
+              <a:schemeClr val="tx1"/>
+            </a:solidFill>
+          </a:ln>
+        </p:spPr>
+      </p:pic>
+      <p:sp>
+        <p:nvSpPr>
+          <p:cNvPr id="6" name="TextBox 5">
+            <a:extLst>
+              <a:ext uri="{FF2B5EF4-FFF2-40B4-BE49-F238E27FC236}">
+                <a16:creationId xmlns:a16="http://schemas.microsoft.com/office/drawing/2014/main" id="{1CB3FA02-FC64-6F44-9A89-5E453AC6C04D}"/>
+              </a:ext>
+            </a:extLst>
+          </p:cNvPr>
+          <p:cNvSpPr txBox="1"/>
+          <p:nvPr/>
+        </p:nvSpPr>
+        <p:spPr>
+          <a:xfrm>
+            <a:off x="2215662" y="6400800"/>
+            <a:ext cx="1726755" cy="307777"/>
+          </a:xfrm>
+          <a:prstGeom prst="rect">
+            <a:avLst/>
+          </a:prstGeom>
+          <a:noFill/>
+        </p:spPr>
+        <p:txBody>
+          <a:bodyPr wrap="none" rtlCol="0">
+            <a:spAutoFit/>
+          </a:bodyPr>
           <a:lstStyle/>
           <a:p>
             <a:r>
-              <a:rPr lang="en-US" dirty="0"/>
-              <a:t>The map and reduce functions are functions that take a function and apply the given function to a </a:t>
-            </a:r>
-            <a:r>
-              <a:rPr lang="en-US" dirty="0" err="1"/>
-              <a:t>lis</a:t>
-            </a:r>
-            <a:r>
-              <a:rPr lang="en-US" dirty="0"/>
-              <a:t>..</a:t>
-            </a:r>
-          </a:p>
-          <a:p>
-            <a:r>
-              <a:rPr lang="en-US" dirty="0"/>
-              <a:t>Both functions are higher-order functions that come straight out of the functional programming tradition.</a:t>
+              <a:rPr lang="en-US" sz="1400" dirty="0"/>
+              <a:t>ln012/dispatch2.ast</a:t>
             </a:r>
           </a:p>
         </p:txBody>
@@ -8689,7 +9116,7 @@
     </p:spTree>
     <p:extLst>
       <p:ext uri="{BB962C8B-B14F-4D97-AF65-F5344CB8AC3E}">
-        <p14:creationId xmlns:p14="http://schemas.microsoft.com/office/powerpoint/2010/main" val="4130582056"/>
+        <p14:creationId xmlns:p14="http://schemas.microsoft.com/office/powerpoint/2010/main" val="63901255"/>
       </p:ext>
     </p:extLst>
   </p:cSld>
@@ -8721,7 +9148,7 @@
           <p:cNvPr id="2" name="Title 1">
             <a:extLst>
               <a:ext uri="{FF2B5EF4-FFF2-40B4-BE49-F238E27FC236}">
-                <a16:creationId xmlns:a16="http://schemas.microsoft.com/office/drawing/2014/main" id="{09193C58-4457-414B-8FCC-13954C7DAB41}"/>
+                <a16:creationId xmlns:a16="http://schemas.microsoft.com/office/drawing/2014/main" id="{4910367C-BDD7-C445-9E46-010FE0418155}"/>
               </a:ext>
             </a:extLst>
           </p:cNvPr>
@@ -8739,7 +9166,7 @@
           <a:p>
             <a:r>
               <a:rPr lang="en-US" dirty="0"/>
-              <a:t>Map</a:t>
+              <a:t>Map &amp; Reduce</a:t>
             </a:r>
           </a:p>
         </p:txBody>
@@ -8749,7 +9176,7 @@
           <p:cNvPr id="3" name="Content Placeholder 2">
             <a:extLst>
               <a:ext uri="{FF2B5EF4-FFF2-40B4-BE49-F238E27FC236}">
-                <a16:creationId xmlns:a16="http://schemas.microsoft.com/office/drawing/2014/main" id="{FB9A7CB2-8752-9F42-AB97-CED574606B8F}"/>
+                <a16:creationId xmlns:a16="http://schemas.microsoft.com/office/drawing/2014/main" id="{B0B6EA71-15FE-084F-B79F-2108C65A67A9}"/>
               </a:ext>
             </a:extLst>
           </p:cNvPr>
@@ -8760,115 +9187,28 @@
             <p:ph idx="1"/>
           </p:nvPr>
         </p:nvSpPr>
-        <p:spPr>
-          <a:xfrm>
-            <a:off x="1524000" y="1905000"/>
-            <a:ext cx="7010400" cy="2197100"/>
-          </a:xfrm>
-        </p:spPr>
-        <p:txBody>
-          <a:bodyPr>
-            <a:normAutofit fontScale="77500" lnSpcReduction="20000"/>
-          </a:bodyPr>
+        <p:spPr/>
+        <p:txBody>
+          <a:bodyPr/>
           <a:lstStyle/>
           <a:p>
             <a:r>
               <a:rPr lang="en-US" dirty="0"/>
-              <a:t>Below is Asteroid code that explains the behavior of the map function.</a:t>
-            </a:r>
-          </a:p>
-          <a:p>
+              <a:t>The map and reduce functions are functions that take a function and apply the given function to a </a:t>
+            </a:r>
+            <a:r>
+              <a:rPr lang="en-US" dirty="0" err="1"/>
+              <a:t>lis</a:t>
+            </a:r>
             <a:r>
               <a:rPr lang="en-US" dirty="0"/>
-              <a:t>Beware that map is not required to apply the function f in the sequential manner shown here</a:t>
-            </a:r>
-          </a:p>
-          <a:p>
-            <a:pPr lvl="1"/>
+              <a:t>..</a:t>
+            </a:r>
+          </a:p>
+          <a:p>
             <a:r>
               <a:rPr lang="en-US" dirty="0"/>
-              <a:t>For example, it is free to exploit threads to apply the function f in parallel to the elements of the list.</a:t>
-            </a:r>
-          </a:p>
-        </p:txBody>
-      </p:sp>
-      <p:pic>
-        <p:nvPicPr>
-          <p:cNvPr id="7" name="Picture 6">
-            <a:extLst>
-              <a:ext uri="{FF2B5EF4-FFF2-40B4-BE49-F238E27FC236}">
-                <a16:creationId xmlns:a16="http://schemas.microsoft.com/office/drawing/2014/main" id="{1EFF27E6-E8DA-464D-9F32-EDC5871762CB}"/>
-              </a:ext>
-            </a:extLst>
-          </p:cNvPr>
-          <p:cNvPicPr>
-            <a:picLocks noChangeAspect="1"/>
-          </p:cNvPicPr>
-          <p:nvPr/>
-        </p:nvPicPr>
-        <p:blipFill>
-          <a:blip r:embed="rId2"/>
-          <a:stretch>
-            <a:fillRect/>
-          </a:stretch>
-        </p:blipFill>
-        <p:spPr>
-          <a:xfrm>
-            <a:off x="2819400" y="4254256"/>
-            <a:ext cx="2336800" cy="2197100"/>
-          </a:xfrm>
-          <a:prstGeom prst="rect">
-            <a:avLst/>
-          </a:prstGeom>
-          <a:ln>
-            <a:solidFill>
-              <a:schemeClr val="tx1"/>
-            </a:solidFill>
-          </a:ln>
-        </p:spPr>
-      </p:pic>
-      <p:sp>
-        <p:nvSpPr>
-          <p:cNvPr id="8" name="TextBox 7">
-            <a:extLst>
-              <a:ext uri="{FF2B5EF4-FFF2-40B4-BE49-F238E27FC236}">
-                <a16:creationId xmlns:a16="http://schemas.microsoft.com/office/drawing/2014/main" id="{07F3A533-A9E4-7946-B87F-CBFF0F97BA32}"/>
-              </a:ext>
-            </a:extLst>
-          </p:cNvPr>
-          <p:cNvSpPr txBox="1"/>
-          <p:nvPr/>
-        </p:nvSpPr>
-        <p:spPr>
-          <a:xfrm>
-            <a:off x="5638800" y="4560277"/>
-            <a:ext cx="3206327" cy="523220"/>
-          </a:xfrm>
-          <a:prstGeom prst="rect">
-            <a:avLst/>
-          </a:prstGeom>
-          <a:noFill/>
-          <a:ln>
-            <a:solidFill>
-              <a:srgbClr val="FF0000"/>
-            </a:solidFill>
-          </a:ln>
-        </p:spPr>
-        <p:txBody>
-          <a:bodyPr wrap="none" rtlCol="0">
-            <a:spAutoFit/>
-          </a:bodyPr>
-          <a:lstStyle/>
-          <a:p>
-            <a:r>
-              <a:rPr lang="en-US" sz="1400" dirty="0"/>
-              <a:t>The function argument to f must be of </a:t>
-            </a:r>
-          </a:p>
-          <a:p>
-            <a:r>
-              <a:rPr lang="en-US" sz="1400" dirty="0"/>
-              <a:t>the same type as the list elements</a:t>
+              <a:t>Both functions are higher-order functions that come straight out of the functional programming tradition.</a:t>
             </a:r>
           </a:p>
         </p:txBody>
@@ -8876,7 +9216,7 @@
     </p:spTree>
     <p:extLst>
       <p:ext uri="{BB962C8B-B14F-4D97-AF65-F5344CB8AC3E}">
-        <p14:creationId xmlns:p14="http://schemas.microsoft.com/office/powerpoint/2010/main" val="2596502265"/>
+        <p14:creationId xmlns:p14="http://schemas.microsoft.com/office/powerpoint/2010/main" val="4130582056"/>
       </p:ext>
     </p:extLst>
   </p:cSld>
@@ -8908,7 +9248,7 @@
           <p:cNvPr id="2" name="Title 1">
             <a:extLst>
               <a:ext uri="{FF2B5EF4-FFF2-40B4-BE49-F238E27FC236}">
-                <a16:creationId xmlns:a16="http://schemas.microsoft.com/office/drawing/2014/main" id="{3F63E95B-F63C-B748-9765-4EF39EF7323E}"/>
+                <a16:creationId xmlns:a16="http://schemas.microsoft.com/office/drawing/2014/main" id="{09193C58-4457-414B-8FCC-13954C7DAB41}"/>
               </a:ext>
             </a:extLst>
           </p:cNvPr>
@@ -8936,7 +9276,7 @@
           <p:cNvPr id="3" name="Content Placeholder 2">
             <a:extLst>
               <a:ext uri="{FF2B5EF4-FFF2-40B4-BE49-F238E27FC236}">
-                <a16:creationId xmlns:a16="http://schemas.microsoft.com/office/drawing/2014/main" id="{25128041-D109-BC4F-AD89-94874042B29D}"/>
+                <a16:creationId xmlns:a16="http://schemas.microsoft.com/office/drawing/2014/main" id="{FB9A7CB2-8752-9F42-AB97-CED574606B8F}"/>
               </a:ext>
             </a:extLst>
           </p:cNvPr>
@@ -8950,35 +9290,41 @@
         <p:spPr>
           <a:xfrm>
             <a:off x="1524000" y="1905000"/>
-            <a:ext cx="7010400" cy="1981200"/>
+            <a:ext cx="7010400" cy="2197100"/>
           </a:xfrm>
         </p:spPr>
         <p:txBody>
           <a:bodyPr>
-            <a:normAutofit fontScale="92500" lnSpcReduction="20000"/>
+            <a:normAutofit fontScale="77500" lnSpcReduction="20000"/>
           </a:bodyPr>
           <a:lstStyle/>
           <a:p>
             <a:r>
               <a:rPr lang="en-US" dirty="0"/>
-              <a:t>One interesting application of map is the transformation of a simple list constructor into any kind of list</a:t>
+              <a:t>Below is Asteroid code that explains the behavior of the map function.</a:t>
+            </a:r>
+          </a:p>
+          <a:p>
+            <a:r>
+              <a:rPr lang="en-US" dirty="0"/>
+              <a:t>Beware that map is not required to apply the function f in the sequential manner shown here</a:t>
             </a:r>
           </a:p>
           <a:p>
             <a:pPr lvl="1"/>
             <a:r>
               <a:rPr lang="en-US" dirty="0"/>
-              <a:t>Here we compute a list of alternating 1’s and -1’s.</a:t>
+              <a:t>For example, it is free to exploit threads to apply the function f in parallel to the elements of the list.</a:t>
             </a:r>
           </a:p>
         </p:txBody>
       </p:sp>
       <p:pic>
         <p:nvPicPr>
-          <p:cNvPr id="5" name="Picture 4">
-            <a:extLst>
-              <a:ext uri="{FF2B5EF4-FFF2-40B4-BE49-F238E27FC236}">
-                <a16:creationId xmlns:a16="http://schemas.microsoft.com/office/drawing/2014/main" id="{31D40F87-97AE-A245-A896-D3403FA1F33C}"/>
+          <p:cNvPr id="7" name="Picture 6">
+            <a:extLst>
+              <a:ext uri="{FF2B5EF4-FFF2-40B4-BE49-F238E27FC236}">
+                <a16:creationId xmlns:a16="http://schemas.microsoft.com/office/drawing/2014/main" id="{1EFF27E6-E8DA-464D-9F32-EDC5871762CB}"/>
               </a:ext>
             </a:extLst>
           </p:cNvPr>
@@ -8995,8 +9341,8 @@
         </p:blipFill>
         <p:spPr>
           <a:xfrm>
-            <a:off x="1524000" y="4267200"/>
-            <a:ext cx="5842000" cy="1409700"/>
+            <a:off x="2819400" y="4254256"/>
+            <a:ext cx="2336800" cy="2197100"/>
           </a:xfrm>
           <a:prstGeom prst="rect">
             <a:avLst/>
@@ -9010,10 +9356,10 @@
       </p:pic>
       <p:sp>
         <p:nvSpPr>
-          <p:cNvPr id="6" name="TextBox 5">
-            <a:extLst>
-              <a:ext uri="{FF2B5EF4-FFF2-40B4-BE49-F238E27FC236}">
-                <a16:creationId xmlns:a16="http://schemas.microsoft.com/office/drawing/2014/main" id="{2DA3C4EC-54C7-F046-9F7D-AC2011235F94}"/>
+          <p:cNvPr id="8" name="TextBox 7">
+            <a:extLst>
+              <a:ext uri="{FF2B5EF4-FFF2-40B4-BE49-F238E27FC236}">
+                <a16:creationId xmlns:a16="http://schemas.microsoft.com/office/drawing/2014/main" id="{07F3A533-A9E4-7946-B87F-CBFF0F97BA32}"/>
               </a:ext>
             </a:extLst>
           </p:cNvPr>
@@ -9022,13 +9368,18 @@
         </p:nvSpPr>
         <p:spPr>
           <a:xfrm>
-            <a:off x="2321169" y="5849815"/>
-            <a:ext cx="1308371" cy="307777"/>
+            <a:off x="5638800" y="4560277"/>
+            <a:ext cx="3206327" cy="523220"/>
           </a:xfrm>
           <a:prstGeom prst="rect">
             <a:avLst/>
           </a:prstGeom>
           <a:noFill/>
+          <a:ln>
+            <a:solidFill>
+              <a:srgbClr val="FF0000"/>
+            </a:solidFill>
+          </a:ln>
         </p:spPr>
         <p:txBody>
           <a:bodyPr wrap="none" rtlCol="0">
@@ -9038,20 +9389,21 @@
           <a:p>
             <a:r>
               <a:rPr lang="en-US" sz="1400" dirty="0"/>
-              <a:t>ln012/</a:t>
-            </a:r>
-            <a:r>
-              <a:rPr lang="en-US" sz="1400" dirty="0" err="1"/>
-              <a:t>map.ast</a:t>
-            </a:r>
-            <a:endParaRPr lang="en-US" sz="1400" dirty="0"/>
+              <a:t>The function argument to f must be of </a:t>
+            </a:r>
+          </a:p>
+          <a:p>
+            <a:r>
+              <a:rPr lang="en-US" sz="1400" dirty="0"/>
+              <a:t>the same type as the list elements</a:t>
+            </a:r>
           </a:p>
         </p:txBody>
       </p:sp>
     </p:spTree>
     <p:extLst>
       <p:ext uri="{BB962C8B-B14F-4D97-AF65-F5344CB8AC3E}">
-        <p14:creationId xmlns:p14="http://schemas.microsoft.com/office/powerpoint/2010/main" val="2668458134"/>
+        <p14:creationId xmlns:p14="http://schemas.microsoft.com/office/powerpoint/2010/main" val="2596502265"/>
       </p:ext>
     </p:extLst>
   </p:cSld>

--- a/notes/csc493-ln012.pptx
+++ b/notes/csc493-ln012.pptx
@@ -5,28 +5,29 @@
     <p:sldMasterId id="2147483651" r:id="rId1"/>
   </p:sldMasterIdLst>
   <p:notesMasterIdLst>
-    <p:notesMasterId r:id="rId18"/>
+    <p:notesMasterId r:id="rId19"/>
   </p:notesMasterIdLst>
   <p:handoutMasterIdLst>
-    <p:handoutMasterId r:id="rId19"/>
+    <p:handoutMasterId r:id="rId20"/>
   </p:handoutMasterIdLst>
   <p:sldIdLst>
     <p:sldId id="267" r:id="rId2"/>
     <p:sldId id="268" r:id="rId3"/>
     <p:sldId id="269" r:id="rId4"/>
     <p:sldId id="270" r:id="rId5"/>
-    <p:sldId id="282" r:id="rId6"/>
-    <p:sldId id="271" r:id="rId7"/>
-    <p:sldId id="272" r:id="rId8"/>
-    <p:sldId id="273" r:id="rId9"/>
-    <p:sldId id="274" r:id="rId10"/>
-    <p:sldId id="275" r:id="rId11"/>
-    <p:sldId id="276" r:id="rId12"/>
-    <p:sldId id="277" r:id="rId13"/>
-    <p:sldId id="278" r:id="rId14"/>
-    <p:sldId id="279" r:id="rId15"/>
-    <p:sldId id="280" r:id="rId16"/>
-    <p:sldId id="281" r:id="rId17"/>
+    <p:sldId id="283" r:id="rId6"/>
+    <p:sldId id="282" r:id="rId7"/>
+    <p:sldId id="271" r:id="rId8"/>
+    <p:sldId id="272" r:id="rId9"/>
+    <p:sldId id="273" r:id="rId10"/>
+    <p:sldId id="274" r:id="rId11"/>
+    <p:sldId id="275" r:id="rId12"/>
+    <p:sldId id="276" r:id="rId13"/>
+    <p:sldId id="277" r:id="rId14"/>
+    <p:sldId id="278" r:id="rId15"/>
+    <p:sldId id="279" r:id="rId16"/>
+    <p:sldId id="280" r:id="rId17"/>
+    <p:sldId id="281" r:id="rId18"/>
   </p:sldIdLst>
   <p:sldSz cx="9144000" cy="6858000" type="screen4x3"/>
   <p:notesSz cx="6856413" cy="9083675"/>
@@ -5841,6 +5842,193 @@
           <p:cNvPr id="2" name="Title 1">
             <a:extLst>
               <a:ext uri="{FF2B5EF4-FFF2-40B4-BE49-F238E27FC236}">
+                <a16:creationId xmlns:a16="http://schemas.microsoft.com/office/drawing/2014/main" id="{09193C58-4457-414B-8FCC-13954C7DAB41}"/>
+              </a:ext>
+            </a:extLst>
+          </p:cNvPr>
+          <p:cNvSpPr>
+            <a:spLocks noGrp="1"/>
+          </p:cNvSpPr>
+          <p:nvPr>
+            <p:ph type="title"/>
+          </p:nvPr>
+        </p:nvSpPr>
+        <p:spPr/>
+        <p:txBody>
+          <a:bodyPr/>
+          <a:lstStyle/>
+          <a:p>
+            <a:r>
+              <a:rPr lang="en-US" dirty="0"/>
+              <a:t>Map</a:t>
+            </a:r>
+          </a:p>
+        </p:txBody>
+      </p:sp>
+      <p:sp>
+        <p:nvSpPr>
+          <p:cNvPr id="3" name="Content Placeholder 2">
+            <a:extLst>
+              <a:ext uri="{FF2B5EF4-FFF2-40B4-BE49-F238E27FC236}">
+                <a16:creationId xmlns:a16="http://schemas.microsoft.com/office/drawing/2014/main" id="{FB9A7CB2-8752-9F42-AB97-CED574606B8F}"/>
+              </a:ext>
+            </a:extLst>
+          </p:cNvPr>
+          <p:cNvSpPr>
+            <a:spLocks noGrp="1"/>
+          </p:cNvSpPr>
+          <p:nvPr>
+            <p:ph idx="1"/>
+          </p:nvPr>
+        </p:nvSpPr>
+        <p:spPr>
+          <a:xfrm>
+            <a:off x="1524000" y="1905000"/>
+            <a:ext cx="7010400" cy="2197100"/>
+          </a:xfrm>
+        </p:spPr>
+        <p:txBody>
+          <a:bodyPr>
+            <a:normAutofit fontScale="77500" lnSpcReduction="20000"/>
+          </a:bodyPr>
+          <a:lstStyle/>
+          <a:p>
+            <a:r>
+              <a:rPr lang="en-US" dirty="0"/>
+              <a:t>Below is Asteroid code that explains the behavior of the map function.</a:t>
+            </a:r>
+          </a:p>
+          <a:p>
+            <a:r>
+              <a:rPr lang="en-US" dirty="0"/>
+              <a:t>Beware that map is not required to apply the function f in the sequential manner shown here</a:t>
+            </a:r>
+          </a:p>
+          <a:p>
+            <a:pPr lvl="1"/>
+            <a:r>
+              <a:rPr lang="en-US" dirty="0"/>
+              <a:t>For example, it is free to exploit threads to apply the function f in parallel to the elements of the list.</a:t>
+            </a:r>
+          </a:p>
+        </p:txBody>
+      </p:sp>
+      <p:pic>
+        <p:nvPicPr>
+          <p:cNvPr id="7" name="Picture 6">
+            <a:extLst>
+              <a:ext uri="{FF2B5EF4-FFF2-40B4-BE49-F238E27FC236}">
+                <a16:creationId xmlns:a16="http://schemas.microsoft.com/office/drawing/2014/main" id="{1EFF27E6-E8DA-464D-9F32-EDC5871762CB}"/>
+              </a:ext>
+            </a:extLst>
+          </p:cNvPr>
+          <p:cNvPicPr>
+            <a:picLocks noChangeAspect="1"/>
+          </p:cNvPicPr>
+          <p:nvPr/>
+        </p:nvPicPr>
+        <p:blipFill>
+          <a:blip r:embed="rId2"/>
+          <a:stretch>
+            <a:fillRect/>
+          </a:stretch>
+        </p:blipFill>
+        <p:spPr>
+          <a:xfrm>
+            <a:off x="2819400" y="4254256"/>
+            <a:ext cx="2336800" cy="2197100"/>
+          </a:xfrm>
+          <a:prstGeom prst="rect">
+            <a:avLst/>
+          </a:prstGeom>
+          <a:ln>
+            <a:solidFill>
+              <a:schemeClr val="tx1"/>
+            </a:solidFill>
+          </a:ln>
+        </p:spPr>
+      </p:pic>
+      <p:sp>
+        <p:nvSpPr>
+          <p:cNvPr id="8" name="TextBox 7">
+            <a:extLst>
+              <a:ext uri="{FF2B5EF4-FFF2-40B4-BE49-F238E27FC236}">
+                <a16:creationId xmlns:a16="http://schemas.microsoft.com/office/drawing/2014/main" id="{07F3A533-A9E4-7946-B87F-CBFF0F97BA32}"/>
+              </a:ext>
+            </a:extLst>
+          </p:cNvPr>
+          <p:cNvSpPr txBox="1"/>
+          <p:nvPr/>
+        </p:nvSpPr>
+        <p:spPr>
+          <a:xfrm>
+            <a:off x="5638800" y="4560277"/>
+            <a:ext cx="3206327" cy="523220"/>
+          </a:xfrm>
+          <a:prstGeom prst="rect">
+            <a:avLst/>
+          </a:prstGeom>
+          <a:noFill/>
+          <a:ln>
+            <a:solidFill>
+              <a:srgbClr val="FF0000"/>
+            </a:solidFill>
+          </a:ln>
+        </p:spPr>
+        <p:txBody>
+          <a:bodyPr wrap="none" rtlCol="0">
+            <a:spAutoFit/>
+          </a:bodyPr>
+          <a:lstStyle/>
+          <a:p>
+            <a:r>
+              <a:rPr lang="en-US" sz="1400" dirty="0"/>
+              <a:t>The function argument to f must be of </a:t>
+            </a:r>
+          </a:p>
+          <a:p>
+            <a:r>
+              <a:rPr lang="en-US" sz="1400" dirty="0"/>
+              <a:t>the same type as the list elements</a:t>
+            </a:r>
+          </a:p>
+        </p:txBody>
+      </p:sp>
+    </p:spTree>
+    <p:extLst>
+      <p:ext uri="{BB962C8B-B14F-4D97-AF65-F5344CB8AC3E}">
+        <p14:creationId xmlns:p14="http://schemas.microsoft.com/office/powerpoint/2010/main" val="2596502265"/>
+      </p:ext>
+    </p:extLst>
+  </p:cSld>
+  <p:clrMapOvr>
+    <a:masterClrMapping/>
+  </p:clrMapOvr>
+</p:sld>
+</file>
+
+<file path=ppt/slides/slide11.xml><?xml version="1.0" encoding="utf-8"?>
+<p:sld xmlns:a="http://schemas.openxmlformats.org/drawingml/2006/main" xmlns:r="http://schemas.openxmlformats.org/officeDocument/2006/relationships" xmlns:p="http://schemas.openxmlformats.org/presentationml/2006/main">
+  <p:cSld>
+    <p:spTree>
+      <p:nvGrpSpPr>
+        <p:cNvPr id="1" name=""/>
+        <p:cNvGrpSpPr/>
+        <p:nvPr/>
+      </p:nvGrpSpPr>
+      <p:grpSpPr>
+        <a:xfrm>
+          <a:off x="0" y="0"/>
+          <a:ext cx="0" cy="0"/>
+          <a:chOff x="0" y="0"/>
+          <a:chExt cx="0" cy="0"/>
+        </a:xfrm>
+      </p:grpSpPr>
+      <p:sp>
+        <p:nvSpPr>
+          <p:cNvPr id="2" name="Title 1">
+            <a:extLst>
+              <a:ext uri="{FF2B5EF4-FFF2-40B4-BE49-F238E27FC236}">
                 <a16:creationId xmlns:a16="http://schemas.microsoft.com/office/drawing/2014/main" id="{3F63E95B-F63C-B748-9765-4EF39EF7323E}"/>
               </a:ext>
             </a:extLst>
@@ -5994,7 +6182,7 @@
 </p:sld>
 </file>
 
-<file path=ppt/slides/slide11.xml><?xml version="1.0" encoding="utf-8"?>
+<file path=ppt/slides/slide12.xml><?xml version="1.0" encoding="utf-8"?>
 <p:sld xmlns:a="http://schemas.openxmlformats.org/drawingml/2006/main" xmlns:r="http://schemas.openxmlformats.org/officeDocument/2006/relationships" xmlns:p="http://schemas.openxmlformats.org/presentationml/2006/main">
   <p:cSld>
     <p:spTree>
@@ -6349,7 +6537,7 @@
 </p:sld>
 </file>
 
-<file path=ppt/slides/slide12.xml><?xml version="1.0" encoding="utf-8"?>
+<file path=ppt/slides/slide13.xml><?xml version="1.0" encoding="utf-8"?>
 <p:sld xmlns:a="http://schemas.openxmlformats.org/drawingml/2006/main" xmlns:r="http://schemas.openxmlformats.org/officeDocument/2006/relationships" xmlns:p="http://schemas.openxmlformats.org/presentationml/2006/main">
   <p:cSld>
     <p:spTree>
@@ -6450,7 +6638,7 @@
 </p:sld>
 </file>
 
-<file path=ppt/slides/slide13.xml><?xml version="1.0" encoding="utf-8"?>
+<file path=ppt/slides/slide14.xml><?xml version="1.0" encoding="utf-8"?>
 <p:sld xmlns:a="http://schemas.openxmlformats.org/drawingml/2006/main" xmlns:r="http://schemas.openxmlformats.org/officeDocument/2006/relationships" xmlns:p="http://schemas.openxmlformats.org/presentationml/2006/main">
   <p:cSld>
     <p:spTree>
@@ -6748,7 +6936,7 @@
 </p:sld>
 </file>
 
-<file path=ppt/slides/slide14.xml><?xml version="1.0" encoding="utf-8"?>
+<file path=ppt/slides/slide15.xml><?xml version="1.0" encoding="utf-8"?>
 <p:sld xmlns:a="http://schemas.openxmlformats.org/drawingml/2006/main" xmlns:r="http://schemas.openxmlformats.org/officeDocument/2006/relationships" xmlns:p="http://schemas.openxmlformats.org/presentationml/2006/main">
   <p:cSld>
     <p:spTree>
@@ -6914,7 +7102,7 @@
 </p:sld>
 </file>
 
-<file path=ppt/slides/slide15.xml><?xml version="1.0" encoding="utf-8"?>
+<file path=ppt/slides/slide16.xml><?xml version="1.0" encoding="utf-8"?>
 <p:sld xmlns:a="http://schemas.openxmlformats.org/drawingml/2006/main" xmlns:r="http://schemas.openxmlformats.org/officeDocument/2006/relationships" xmlns:p="http://schemas.openxmlformats.org/presentationml/2006/main">
   <p:cSld>
     <p:spTree>
@@ -7166,7 +7354,7 @@
 </p:sld>
 </file>
 
-<file path=ppt/slides/slide16.xml><?xml version="1.0" encoding="utf-8"?>
+<file path=ppt/slides/slide17.xml><?xml version="1.0" encoding="utf-8"?>
 <p:sld xmlns:a="http://schemas.openxmlformats.org/drawingml/2006/main" xmlns:r="http://schemas.openxmlformats.org/officeDocument/2006/relationships" xmlns:p="http://schemas.openxmlformats.org/presentationml/2006/main">
   <p:cSld>
     <p:spTree>
@@ -8288,14 +8476,14 @@
         </p:spPr>
         <p:txBody>
           <a:bodyPr>
-            <a:normAutofit fontScale="85000" lnSpcReduction="20000"/>
+            <a:normAutofit lnSpcReduction="10000"/>
           </a:bodyPr>
           <a:lstStyle/>
           <a:p>
-            <a:r>
-              <a:rPr lang="en-US" dirty="0"/>
-              <a:t>We have seen this before with ‘filter’ function in the quicksort,</a:t>
-            </a:r>
+            <a:pPr marL="0" indent="0">
+              <a:buNone/>
+            </a:pPr>
+            <a:endParaRPr lang="en-US" dirty="0"/>
           </a:p>
           <a:p>
             <a:r>
@@ -8305,40 +8493,6 @@
           </a:p>
         </p:txBody>
       </p:sp>
-      <p:pic>
-        <p:nvPicPr>
-          <p:cNvPr id="4" name="Picture 3">
-            <a:extLst>
-              <a:ext uri="{FF2B5EF4-FFF2-40B4-BE49-F238E27FC236}">
-                <a16:creationId xmlns:a16="http://schemas.microsoft.com/office/drawing/2014/main" id="{EED321A8-BEB4-524D-8EC5-487B4F72DC6B}"/>
-              </a:ext>
-            </a:extLst>
-          </p:cNvPr>
-          <p:cNvPicPr>
-            <a:picLocks noChangeAspect="1"/>
-          </p:cNvPicPr>
-          <p:nvPr/>
-        </p:nvPicPr>
-        <p:blipFill rotWithShape="1">
-          <a:blip r:embed="rId2"/>
-          <a:srcRect l="6276" t="48869" b="34841"/>
-          <a:stretch/>
-        </p:blipFill>
-        <p:spPr>
-          <a:xfrm>
-            <a:off x="1219200" y="5943600"/>
-            <a:ext cx="5689600" cy="457200"/>
-          </a:xfrm>
-          <a:prstGeom prst="rect">
-            <a:avLst/>
-          </a:prstGeom>
-          <a:ln>
-            <a:solidFill>
-              <a:schemeClr val="tx1"/>
-            </a:solidFill>
-          </a:ln>
-        </p:spPr>
-      </p:pic>
       <p:pic>
         <p:nvPicPr>
           <p:cNvPr id="5" name="Picture 4">
@@ -8354,7 +8508,7 @@
           <p:nvPr/>
         </p:nvPicPr>
         <p:blipFill>
-          <a:blip r:embed="rId3"/>
+          <a:blip r:embed="rId2"/>
           <a:stretch>
             <a:fillRect/>
           </a:stretch>
@@ -8571,6 +8725,224 @@
           <p:cNvPr id="2" name="Title 1">
             <a:extLst>
               <a:ext uri="{FF2B5EF4-FFF2-40B4-BE49-F238E27FC236}">
+                <a16:creationId xmlns:a16="http://schemas.microsoft.com/office/drawing/2014/main" id="{1DD3592D-C652-8949-8B1D-E4A8E0FF2DD8}"/>
+              </a:ext>
+            </a:extLst>
+          </p:cNvPr>
+          <p:cNvSpPr>
+            <a:spLocks noGrp="1"/>
+          </p:cNvSpPr>
+          <p:nvPr>
+            <p:ph type="title"/>
+          </p:nvPr>
+        </p:nvSpPr>
+        <p:spPr/>
+        <p:txBody>
+          <a:bodyPr/>
+          <a:lstStyle/>
+          <a:p>
+            <a:r>
+              <a:rPr lang="en-US" dirty="0"/>
+              <a:t>Modifying Behavior of a Function - </a:t>
+            </a:r>
+            <a:r>
+              <a:rPr lang="en-US" dirty="0" err="1"/>
+              <a:t>QuickSort</a:t>
+            </a:r>
+            <a:endParaRPr lang="en-US" dirty="0"/>
+          </a:p>
+        </p:txBody>
+      </p:sp>
+      <p:pic>
+        <p:nvPicPr>
+          <p:cNvPr id="5" name="Picture 4">
+            <a:extLst>
+              <a:ext uri="{FF2B5EF4-FFF2-40B4-BE49-F238E27FC236}">
+                <a16:creationId xmlns:a16="http://schemas.microsoft.com/office/drawing/2014/main" id="{D4749355-AAAF-3B4B-87D2-F7A1BE1A5AAB}"/>
+              </a:ext>
+            </a:extLst>
+          </p:cNvPr>
+          <p:cNvPicPr>
+            <a:picLocks noChangeAspect="1"/>
+          </p:cNvPicPr>
+          <p:nvPr/>
+        </p:nvPicPr>
+        <p:blipFill>
+          <a:blip r:embed="rId2"/>
+          <a:stretch>
+            <a:fillRect/>
+          </a:stretch>
+        </p:blipFill>
+        <p:spPr>
+          <a:xfrm>
+            <a:off x="670169" y="1905000"/>
+            <a:ext cx="3937000" cy="2286000"/>
+          </a:xfrm>
+          <a:prstGeom prst="rect">
+            <a:avLst/>
+          </a:prstGeom>
+          <a:ln>
+            <a:solidFill>
+              <a:schemeClr val="tx1"/>
+            </a:solidFill>
+          </a:ln>
+        </p:spPr>
+      </p:pic>
+      <p:pic>
+        <p:nvPicPr>
+          <p:cNvPr id="6" name="Picture 5">
+            <a:extLst>
+              <a:ext uri="{FF2B5EF4-FFF2-40B4-BE49-F238E27FC236}">
+                <a16:creationId xmlns:a16="http://schemas.microsoft.com/office/drawing/2014/main" id="{A52964F6-675D-C543-8F9B-70BB38029440}"/>
+              </a:ext>
+            </a:extLst>
+          </p:cNvPr>
+          <p:cNvPicPr>
+            <a:picLocks noChangeAspect="1"/>
+          </p:cNvPicPr>
+          <p:nvPr/>
+        </p:nvPicPr>
+        <p:blipFill>
+          <a:blip r:embed="rId3"/>
+          <a:stretch>
+            <a:fillRect/>
+          </a:stretch>
+        </p:blipFill>
+        <p:spPr>
+          <a:xfrm>
+            <a:off x="1524000" y="4035426"/>
+            <a:ext cx="6769100" cy="2209800"/>
+          </a:xfrm>
+          <a:prstGeom prst="rect">
+            <a:avLst/>
+          </a:prstGeom>
+          <a:ln>
+            <a:solidFill>
+              <a:schemeClr val="tx1"/>
+            </a:solidFill>
+          </a:ln>
+        </p:spPr>
+      </p:pic>
+      <p:sp>
+        <p:nvSpPr>
+          <p:cNvPr id="7" name="Down Arrow 6">
+            <a:extLst>
+              <a:ext uri="{FF2B5EF4-FFF2-40B4-BE49-F238E27FC236}">
+                <a16:creationId xmlns:a16="http://schemas.microsoft.com/office/drawing/2014/main" id="{A825B13B-2F6B-5744-90E6-B295576D37F9}"/>
+              </a:ext>
+            </a:extLst>
+          </p:cNvPr>
+          <p:cNvSpPr/>
+          <p:nvPr/>
+        </p:nvSpPr>
+        <p:spPr bwMode="auto">
+          <a:xfrm rot="1161893">
+            <a:off x="6851134" y="4699432"/>
+            <a:ext cx="228600" cy="457200"/>
+          </a:xfrm>
+          <a:prstGeom prst="downArrow">
+            <a:avLst/>
+          </a:prstGeom>
+          <a:solidFill>
+            <a:srgbClr val="FF0000"/>
+          </a:solidFill>
+          <a:ln w="9525" cap="flat" cmpd="sng" algn="ctr">
+            <a:solidFill>
+              <a:schemeClr val="tx1"/>
+            </a:solidFill>
+            <a:prstDash val="solid"/>
+            <a:round/>
+            <a:headEnd type="none" w="med" len="med"/>
+            <a:tailEnd type="none" w="med" len="med"/>
+          </a:ln>
+          <a:effectLst/>
+          <a:extLst>
+            <a:ext uri="{AF507438-7753-43e0-B8FC-AC1667EBCBE1}">
+              <a14:hiddenEffects xmlns:a14="http://schemas.microsoft.com/office/drawing/2010/main" xmlns="">
+                <a:effectLst>
+                  <a:outerShdw blurRad="63500" dist="38099" dir="2700000" algn="ctr" rotWithShape="0">
+                    <a:schemeClr val="bg2">
+                      <a:alpha val="74998"/>
+                    </a:schemeClr>
+                  </a:outerShdw>
+                </a:effectLst>
+              </a14:hiddenEffects>
+            </a:ext>
+          </a:extLst>
+        </p:spPr>
+        <p:txBody>
+          <a:bodyPr vert="horz" wrap="square" lIns="91440" tIns="45720" rIns="91440" bIns="45720" numCol="1" rtlCol="0" anchor="t" anchorCtr="0" compatLnSpc="1">
+            <a:prstTxWarp prst="textNoShape">
+              <a:avLst/>
+            </a:prstTxWarp>
+          </a:bodyPr>
+          <a:lstStyle/>
+          <a:p>
+            <a:pPr marL="0" marR="0" indent="0" algn="l" defTabSz="914400" rtl="0" eaLnBrk="0" fontAlgn="base" latinLnBrk="0" hangingPunct="0">
+              <a:lnSpc>
+                <a:spcPct val="100000"/>
+              </a:lnSpc>
+              <a:spcBef>
+                <a:spcPct val="0"/>
+              </a:spcBef>
+              <a:spcAft>
+                <a:spcPct val="0"/>
+              </a:spcAft>
+              <a:buClrTx/>
+              <a:buSzTx/>
+              <a:buFontTx/>
+              <a:buNone/>
+              <a:tabLst/>
+            </a:pPr>
+            <a:endParaRPr kumimoji="0" lang="en-US" sz="1600" b="0" i="0" u="none" strike="noStrike" cap="none" normalizeH="0" baseline="0">
+              <a:ln>
+                <a:noFill/>
+              </a:ln>
+              <a:solidFill>
+                <a:srgbClr val="000000"/>
+              </a:solidFill>
+              <a:effectLst/>
+              <a:latin typeface="Arial" charset="0"/>
+              <a:ea typeface="ＭＳ Ｐゴシック" charset="0"/>
+            </a:endParaRPr>
+          </a:p>
+        </p:txBody>
+      </p:sp>
+    </p:spTree>
+    <p:extLst>
+      <p:ext uri="{BB962C8B-B14F-4D97-AF65-F5344CB8AC3E}">
+        <p14:creationId xmlns:p14="http://schemas.microsoft.com/office/powerpoint/2010/main" val="796663947"/>
+      </p:ext>
+    </p:extLst>
+  </p:cSld>
+  <p:clrMapOvr>
+    <a:masterClrMapping/>
+  </p:clrMapOvr>
+</p:sld>
+</file>
+
+<file path=ppt/slides/slide6.xml><?xml version="1.0" encoding="utf-8"?>
+<p:sld xmlns:a="http://schemas.openxmlformats.org/drawingml/2006/main" xmlns:r="http://schemas.openxmlformats.org/officeDocument/2006/relationships" xmlns:p="http://schemas.openxmlformats.org/presentationml/2006/main">
+  <p:cSld>
+    <p:spTree>
+      <p:nvGrpSpPr>
+        <p:cNvPr id="1" name=""/>
+        <p:cNvGrpSpPr/>
+        <p:nvPr/>
+      </p:nvGrpSpPr>
+      <p:grpSpPr>
+        <a:xfrm>
+          <a:off x="0" y="0"/>
+          <a:ext cx="0" cy="0"/>
+          <a:chOff x="0" y="0"/>
+          <a:chExt cx="0" cy="0"/>
+        </a:xfrm>
+      </p:grpSpPr>
+      <p:sp>
+        <p:nvSpPr>
+          <p:cNvPr id="2" name="Title 1">
+            <a:extLst>
+              <a:ext uri="{FF2B5EF4-FFF2-40B4-BE49-F238E27FC236}">
                 <a16:creationId xmlns:a16="http://schemas.microsoft.com/office/drawing/2014/main" id="{021A501A-9C4C-F246-89CE-E55C7D571C12}"/>
               </a:ext>
             </a:extLst>
@@ -8900,104 +9272,6 @@
 </p:sld>
 </file>
 
-<file path=ppt/slides/slide6.xml><?xml version="1.0" encoding="utf-8"?>
-<p:sld xmlns:a="http://schemas.openxmlformats.org/drawingml/2006/main" xmlns:r="http://schemas.openxmlformats.org/officeDocument/2006/relationships" xmlns:p="http://schemas.openxmlformats.org/presentationml/2006/main">
-  <p:cSld>
-    <p:spTree>
-      <p:nvGrpSpPr>
-        <p:cNvPr id="1" name=""/>
-        <p:cNvGrpSpPr/>
-        <p:nvPr/>
-      </p:nvGrpSpPr>
-      <p:grpSpPr>
-        <a:xfrm>
-          <a:off x="0" y="0"/>
-          <a:ext cx="0" cy="0"/>
-          <a:chOff x="0" y="0"/>
-          <a:chExt cx="0" cy="0"/>
-        </a:xfrm>
-      </p:grpSpPr>
-      <p:sp>
-        <p:nvSpPr>
-          <p:cNvPr id="2" name="Title 1">
-            <a:extLst>
-              <a:ext uri="{FF2B5EF4-FFF2-40B4-BE49-F238E27FC236}">
-                <a16:creationId xmlns:a16="http://schemas.microsoft.com/office/drawing/2014/main" id="{039844B2-1466-104B-B0D1-0473FC6C7319}"/>
-              </a:ext>
-            </a:extLst>
-          </p:cNvPr>
-          <p:cNvSpPr>
-            <a:spLocks noGrp="1"/>
-          </p:cNvSpPr>
-          <p:nvPr>
-            <p:ph type="title"/>
-          </p:nvPr>
-        </p:nvSpPr>
-        <p:spPr/>
-        <p:txBody>
-          <a:bodyPr/>
-          <a:lstStyle/>
-          <a:p>
-            <a:r>
-              <a:rPr lang="en-US" dirty="0"/>
-              <a:t>Dispatch Tables</a:t>
-            </a:r>
-          </a:p>
-        </p:txBody>
-      </p:sp>
-      <p:sp>
-        <p:nvSpPr>
-          <p:cNvPr id="3" name="Content Placeholder 2">
-            <a:extLst>
-              <a:ext uri="{FF2B5EF4-FFF2-40B4-BE49-F238E27FC236}">
-                <a16:creationId xmlns:a16="http://schemas.microsoft.com/office/drawing/2014/main" id="{E0042377-7E50-A24D-98F7-9E95F19C1335}"/>
-              </a:ext>
-            </a:extLst>
-          </p:cNvPr>
-          <p:cNvSpPr>
-            <a:spLocks noGrp="1"/>
-          </p:cNvSpPr>
-          <p:nvPr>
-            <p:ph idx="1"/>
-          </p:nvPr>
-        </p:nvSpPr>
-        <p:spPr/>
-        <p:txBody>
-          <a:bodyPr/>
-          <a:lstStyle/>
-          <a:p>
-            <a:r>
-              <a:rPr lang="en-US" dirty="0"/>
-              <a:t>We can also associate behavior with appropriate keys in a dispatch table.</a:t>
-            </a:r>
-          </a:p>
-          <a:p>
-            <a:r>
-              <a:rPr lang="en-US" dirty="0"/>
-              <a:t>We can then dispatch (lookup) desired behavior given specific keys.</a:t>
-            </a:r>
-          </a:p>
-          <a:p>
-            <a:r>
-              <a:rPr lang="en-US" dirty="0"/>
-              <a:t>Example: A generic ‘calculate’ function that takes two values and a key symbol and then performs the appropriate computation.</a:t>
-            </a:r>
-          </a:p>
-        </p:txBody>
-      </p:sp>
-    </p:spTree>
-    <p:extLst>
-      <p:ext uri="{BB962C8B-B14F-4D97-AF65-F5344CB8AC3E}">
-        <p14:creationId xmlns:p14="http://schemas.microsoft.com/office/powerpoint/2010/main" val="2391060302"/>
-      </p:ext>
-    </p:extLst>
-  </p:cSld>
-  <p:clrMapOvr>
-    <a:masterClrMapping/>
-  </p:clrMapOvr>
-</p:sld>
-</file>
-
 <file path=ppt/slides/slide7.xml><?xml version="1.0" encoding="utf-8"?>
 <p:sld xmlns:a="http://schemas.openxmlformats.org/drawingml/2006/main" xmlns:r="http://schemas.openxmlformats.org/officeDocument/2006/relationships" xmlns:p="http://schemas.openxmlformats.org/presentationml/2006/main">
   <p:cSld>
@@ -9017,10 +9291,10 @@
       </p:grpSpPr>
       <p:sp>
         <p:nvSpPr>
-          <p:cNvPr id="4" name="Title 3">
-            <a:extLst>
-              <a:ext uri="{FF2B5EF4-FFF2-40B4-BE49-F238E27FC236}">
-                <a16:creationId xmlns:a16="http://schemas.microsoft.com/office/drawing/2014/main" id="{5F7C4801-D143-DE4C-B7DA-45A0B6788DA9}"/>
+          <p:cNvPr id="2" name="Title 1">
+            <a:extLst>
+              <a:ext uri="{FF2B5EF4-FFF2-40B4-BE49-F238E27FC236}">
+                <a16:creationId xmlns:a16="http://schemas.microsoft.com/office/drawing/2014/main" id="{039844B2-1466-104B-B0D1-0473FC6C7319}"/>
               </a:ext>
             </a:extLst>
           </p:cNvPr>
@@ -9043,72 +9317,42 @@
           </a:p>
         </p:txBody>
       </p:sp>
-      <p:pic>
-        <p:nvPicPr>
-          <p:cNvPr id="5" name="Picture 4">
-            <a:extLst>
-              <a:ext uri="{FF2B5EF4-FFF2-40B4-BE49-F238E27FC236}">
-                <a16:creationId xmlns:a16="http://schemas.microsoft.com/office/drawing/2014/main" id="{644B65F1-7F19-B948-A4D6-200C53C87F6C}"/>
-              </a:ext>
-            </a:extLst>
-          </p:cNvPr>
-          <p:cNvPicPr>
-            <a:picLocks noChangeAspect="1"/>
-          </p:cNvPicPr>
-          <p:nvPr/>
-        </p:nvPicPr>
-        <p:blipFill>
-          <a:blip r:embed="rId2"/>
-          <a:stretch>
-            <a:fillRect/>
-          </a:stretch>
-        </p:blipFill>
-        <p:spPr>
-          <a:xfrm>
-            <a:off x="1905000" y="1735260"/>
-            <a:ext cx="4495800" cy="4610100"/>
-          </a:xfrm>
-          <a:prstGeom prst="rect">
-            <a:avLst/>
-          </a:prstGeom>
-          <a:ln>
-            <a:solidFill>
-              <a:schemeClr val="tx1"/>
-            </a:solidFill>
-          </a:ln>
-        </p:spPr>
-      </p:pic>
-      <p:sp>
-        <p:nvSpPr>
-          <p:cNvPr id="6" name="TextBox 5">
-            <a:extLst>
-              <a:ext uri="{FF2B5EF4-FFF2-40B4-BE49-F238E27FC236}">
-                <a16:creationId xmlns:a16="http://schemas.microsoft.com/office/drawing/2014/main" id="{1CB3FA02-FC64-6F44-9A89-5E453AC6C04D}"/>
-              </a:ext>
-            </a:extLst>
-          </p:cNvPr>
-          <p:cNvSpPr txBox="1"/>
-          <p:nvPr/>
-        </p:nvSpPr>
-        <p:spPr>
-          <a:xfrm>
-            <a:off x="2215662" y="6400800"/>
-            <a:ext cx="1726755" cy="307777"/>
-          </a:xfrm>
-          <a:prstGeom prst="rect">
-            <a:avLst/>
-          </a:prstGeom>
-          <a:noFill/>
-        </p:spPr>
-        <p:txBody>
-          <a:bodyPr wrap="none" rtlCol="0">
-            <a:spAutoFit/>
-          </a:bodyPr>
+      <p:sp>
+        <p:nvSpPr>
+          <p:cNvPr id="3" name="Content Placeholder 2">
+            <a:extLst>
+              <a:ext uri="{FF2B5EF4-FFF2-40B4-BE49-F238E27FC236}">
+                <a16:creationId xmlns:a16="http://schemas.microsoft.com/office/drawing/2014/main" id="{E0042377-7E50-A24D-98F7-9E95F19C1335}"/>
+              </a:ext>
+            </a:extLst>
+          </p:cNvPr>
+          <p:cNvSpPr>
+            <a:spLocks noGrp="1"/>
+          </p:cNvSpPr>
+          <p:nvPr>
+            <p:ph idx="1"/>
+          </p:nvPr>
+        </p:nvSpPr>
+        <p:spPr/>
+        <p:txBody>
+          <a:bodyPr/>
           <a:lstStyle/>
           <a:p>
             <a:r>
-              <a:rPr lang="en-US" sz="1400" dirty="0"/>
-              <a:t>ln012/dispatch2.ast</a:t>
+              <a:rPr lang="en-US" dirty="0"/>
+              <a:t>We can also associate behavior with appropriate keys in a dispatch table.</a:t>
+            </a:r>
+          </a:p>
+          <a:p>
+            <a:r>
+              <a:rPr lang="en-US" dirty="0"/>
+              <a:t>We can then dispatch (lookup) desired behavior given specific keys.</a:t>
+            </a:r>
+          </a:p>
+          <a:p>
+            <a:r>
+              <a:rPr lang="en-US" dirty="0"/>
+              <a:t>Example: A generic ‘calculate’ function that takes two values and a key symbol and then performs the appropriate computation.</a:t>
             </a:r>
           </a:p>
         </p:txBody>
@@ -9116,7 +9360,7 @@
     </p:spTree>
     <p:extLst>
       <p:ext uri="{BB962C8B-B14F-4D97-AF65-F5344CB8AC3E}">
-        <p14:creationId xmlns:p14="http://schemas.microsoft.com/office/powerpoint/2010/main" val="63901255"/>
+        <p14:creationId xmlns:p14="http://schemas.microsoft.com/office/powerpoint/2010/main" val="2391060302"/>
       </p:ext>
     </p:extLst>
   </p:cSld>
@@ -9145,10 +9389,10 @@
       </p:grpSpPr>
       <p:sp>
         <p:nvSpPr>
-          <p:cNvPr id="2" name="Title 1">
-            <a:extLst>
-              <a:ext uri="{FF2B5EF4-FFF2-40B4-BE49-F238E27FC236}">
-                <a16:creationId xmlns:a16="http://schemas.microsoft.com/office/drawing/2014/main" id="{4910367C-BDD7-C445-9E46-010FE0418155}"/>
+          <p:cNvPr id="4" name="Title 3">
+            <a:extLst>
+              <a:ext uri="{FF2B5EF4-FFF2-40B4-BE49-F238E27FC236}">
+                <a16:creationId xmlns:a16="http://schemas.microsoft.com/office/drawing/2014/main" id="{5F7C4801-D143-DE4C-B7DA-45A0B6788DA9}"/>
               </a:ext>
             </a:extLst>
           </p:cNvPr>
@@ -9166,49 +9410,77 @@
           <a:p>
             <a:r>
               <a:rPr lang="en-US" dirty="0"/>
-              <a:t>Map &amp; Reduce</a:t>
-            </a:r>
-          </a:p>
-        </p:txBody>
-      </p:sp>
-      <p:sp>
-        <p:nvSpPr>
-          <p:cNvPr id="3" name="Content Placeholder 2">
-            <a:extLst>
-              <a:ext uri="{FF2B5EF4-FFF2-40B4-BE49-F238E27FC236}">
-                <a16:creationId xmlns:a16="http://schemas.microsoft.com/office/drawing/2014/main" id="{B0B6EA71-15FE-084F-B79F-2108C65A67A9}"/>
-              </a:ext>
-            </a:extLst>
-          </p:cNvPr>
-          <p:cNvSpPr>
-            <a:spLocks noGrp="1"/>
-          </p:cNvSpPr>
-          <p:nvPr>
-            <p:ph idx="1"/>
-          </p:nvPr>
-        </p:nvSpPr>
-        <p:spPr/>
-        <p:txBody>
-          <a:bodyPr/>
+              <a:t>Dispatch Tables</a:t>
+            </a:r>
+          </a:p>
+        </p:txBody>
+      </p:sp>
+      <p:pic>
+        <p:nvPicPr>
+          <p:cNvPr id="5" name="Picture 4">
+            <a:extLst>
+              <a:ext uri="{FF2B5EF4-FFF2-40B4-BE49-F238E27FC236}">
+                <a16:creationId xmlns:a16="http://schemas.microsoft.com/office/drawing/2014/main" id="{644B65F1-7F19-B948-A4D6-200C53C87F6C}"/>
+              </a:ext>
+            </a:extLst>
+          </p:cNvPr>
+          <p:cNvPicPr>
+            <a:picLocks noChangeAspect="1"/>
+          </p:cNvPicPr>
+          <p:nvPr/>
+        </p:nvPicPr>
+        <p:blipFill>
+          <a:blip r:embed="rId2"/>
+          <a:stretch>
+            <a:fillRect/>
+          </a:stretch>
+        </p:blipFill>
+        <p:spPr>
+          <a:xfrm>
+            <a:off x="1905000" y="1735260"/>
+            <a:ext cx="4495800" cy="4610100"/>
+          </a:xfrm>
+          <a:prstGeom prst="rect">
+            <a:avLst/>
+          </a:prstGeom>
+          <a:ln>
+            <a:solidFill>
+              <a:schemeClr val="tx1"/>
+            </a:solidFill>
+          </a:ln>
+        </p:spPr>
+      </p:pic>
+      <p:sp>
+        <p:nvSpPr>
+          <p:cNvPr id="6" name="TextBox 5">
+            <a:extLst>
+              <a:ext uri="{FF2B5EF4-FFF2-40B4-BE49-F238E27FC236}">
+                <a16:creationId xmlns:a16="http://schemas.microsoft.com/office/drawing/2014/main" id="{1CB3FA02-FC64-6F44-9A89-5E453AC6C04D}"/>
+              </a:ext>
+            </a:extLst>
+          </p:cNvPr>
+          <p:cNvSpPr txBox="1"/>
+          <p:nvPr/>
+        </p:nvSpPr>
+        <p:spPr>
+          <a:xfrm>
+            <a:off x="2215662" y="6400800"/>
+            <a:ext cx="1726755" cy="307777"/>
+          </a:xfrm>
+          <a:prstGeom prst="rect">
+            <a:avLst/>
+          </a:prstGeom>
+          <a:noFill/>
+        </p:spPr>
+        <p:txBody>
+          <a:bodyPr wrap="none" rtlCol="0">
+            <a:spAutoFit/>
+          </a:bodyPr>
           <a:lstStyle/>
           <a:p>
             <a:r>
-              <a:rPr lang="en-US" dirty="0"/>
-              <a:t>The map and reduce functions are functions that take a function and apply the given function to a </a:t>
-            </a:r>
-            <a:r>
-              <a:rPr lang="en-US" dirty="0" err="1"/>
-              <a:t>lis</a:t>
-            </a:r>
-            <a:r>
-              <a:rPr lang="en-US" dirty="0"/>
-              <a:t>..</a:t>
-            </a:r>
-          </a:p>
-          <a:p>
-            <a:r>
-              <a:rPr lang="en-US" dirty="0"/>
-              <a:t>Both functions are higher-order functions that come straight out of the functional programming tradition.</a:t>
+              <a:rPr lang="en-US" sz="1400" dirty="0"/>
+              <a:t>ln012/dispatch2.ast</a:t>
             </a:r>
           </a:p>
         </p:txBody>
@@ -9216,7 +9488,7 @@
     </p:spTree>
     <p:extLst>
       <p:ext uri="{BB962C8B-B14F-4D97-AF65-F5344CB8AC3E}">
-        <p14:creationId xmlns:p14="http://schemas.microsoft.com/office/powerpoint/2010/main" val="4130582056"/>
+        <p14:creationId xmlns:p14="http://schemas.microsoft.com/office/powerpoint/2010/main" val="63901255"/>
       </p:ext>
     </p:extLst>
   </p:cSld>
@@ -9248,7 +9520,7 @@
           <p:cNvPr id="2" name="Title 1">
             <a:extLst>
               <a:ext uri="{FF2B5EF4-FFF2-40B4-BE49-F238E27FC236}">
-                <a16:creationId xmlns:a16="http://schemas.microsoft.com/office/drawing/2014/main" id="{09193C58-4457-414B-8FCC-13954C7DAB41}"/>
+                <a16:creationId xmlns:a16="http://schemas.microsoft.com/office/drawing/2014/main" id="{4910367C-BDD7-C445-9E46-010FE0418155}"/>
               </a:ext>
             </a:extLst>
           </p:cNvPr>
@@ -9266,7 +9538,7 @@
           <a:p>
             <a:r>
               <a:rPr lang="en-US" dirty="0"/>
-              <a:t>Map</a:t>
+              <a:t>Map &amp; Reduce</a:t>
             </a:r>
           </a:p>
         </p:txBody>
@@ -9276,7 +9548,7 @@
           <p:cNvPr id="3" name="Content Placeholder 2">
             <a:extLst>
               <a:ext uri="{FF2B5EF4-FFF2-40B4-BE49-F238E27FC236}">
-                <a16:creationId xmlns:a16="http://schemas.microsoft.com/office/drawing/2014/main" id="{FB9A7CB2-8752-9F42-AB97-CED574606B8F}"/>
+                <a16:creationId xmlns:a16="http://schemas.microsoft.com/office/drawing/2014/main" id="{B0B6EA71-15FE-084F-B79F-2108C65A67A9}"/>
               </a:ext>
             </a:extLst>
           </p:cNvPr>
@@ -9287,115 +9559,28 @@
             <p:ph idx="1"/>
           </p:nvPr>
         </p:nvSpPr>
-        <p:spPr>
-          <a:xfrm>
-            <a:off x="1524000" y="1905000"/>
-            <a:ext cx="7010400" cy="2197100"/>
-          </a:xfrm>
-        </p:spPr>
-        <p:txBody>
-          <a:bodyPr>
-            <a:normAutofit fontScale="77500" lnSpcReduction="20000"/>
-          </a:bodyPr>
+        <p:spPr/>
+        <p:txBody>
+          <a:bodyPr/>
           <a:lstStyle/>
           <a:p>
             <a:r>
               <a:rPr lang="en-US" dirty="0"/>
-              <a:t>Below is Asteroid code that explains the behavior of the map function.</a:t>
-            </a:r>
-          </a:p>
-          <a:p>
+              <a:t>The map and reduce functions are functions that take a function and apply the given function to a </a:t>
+            </a:r>
+            <a:r>
+              <a:rPr lang="en-US" dirty="0" err="1"/>
+              <a:t>lis</a:t>
+            </a:r>
             <a:r>
               <a:rPr lang="en-US" dirty="0"/>
-              <a:t>Beware that map is not required to apply the function f in the sequential manner shown here</a:t>
-            </a:r>
-          </a:p>
-          <a:p>
-            <a:pPr lvl="1"/>
+              <a:t>..</a:t>
+            </a:r>
+          </a:p>
+          <a:p>
             <a:r>
               <a:rPr lang="en-US" dirty="0"/>
-              <a:t>For example, it is free to exploit threads to apply the function f in parallel to the elements of the list.</a:t>
-            </a:r>
-          </a:p>
-        </p:txBody>
-      </p:sp>
-      <p:pic>
-        <p:nvPicPr>
-          <p:cNvPr id="7" name="Picture 6">
-            <a:extLst>
-              <a:ext uri="{FF2B5EF4-FFF2-40B4-BE49-F238E27FC236}">
-                <a16:creationId xmlns:a16="http://schemas.microsoft.com/office/drawing/2014/main" id="{1EFF27E6-E8DA-464D-9F32-EDC5871762CB}"/>
-              </a:ext>
-            </a:extLst>
-          </p:cNvPr>
-          <p:cNvPicPr>
-            <a:picLocks noChangeAspect="1"/>
-          </p:cNvPicPr>
-          <p:nvPr/>
-        </p:nvPicPr>
-        <p:blipFill>
-          <a:blip r:embed="rId2"/>
-          <a:stretch>
-            <a:fillRect/>
-          </a:stretch>
-        </p:blipFill>
-        <p:spPr>
-          <a:xfrm>
-            <a:off x="2819400" y="4254256"/>
-            <a:ext cx="2336800" cy="2197100"/>
-          </a:xfrm>
-          <a:prstGeom prst="rect">
-            <a:avLst/>
-          </a:prstGeom>
-          <a:ln>
-            <a:solidFill>
-              <a:schemeClr val="tx1"/>
-            </a:solidFill>
-          </a:ln>
-        </p:spPr>
-      </p:pic>
-      <p:sp>
-        <p:nvSpPr>
-          <p:cNvPr id="8" name="TextBox 7">
-            <a:extLst>
-              <a:ext uri="{FF2B5EF4-FFF2-40B4-BE49-F238E27FC236}">
-                <a16:creationId xmlns:a16="http://schemas.microsoft.com/office/drawing/2014/main" id="{07F3A533-A9E4-7946-B87F-CBFF0F97BA32}"/>
-              </a:ext>
-            </a:extLst>
-          </p:cNvPr>
-          <p:cNvSpPr txBox="1"/>
-          <p:nvPr/>
-        </p:nvSpPr>
-        <p:spPr>
-          <a:xfrm>
-            <a:off x="5638800" y="4560277"/>
-            <a:ext cx="3206327" cy="523220"/>
-          </a:xfrm>
-          <a:prstGeom prst="rect">
-            <a:avLst/>
-          </a:prstGeom>
-          <a:noFill/>
-          <a:ln>
-            <a:solidFill>
-              <a:srgbClr val="FF0000"/>
-            </a:solidFill>
-          </a:ln>
-        </p:spPr>
-        <p:txBody>
-          <a:bodyPr wrap="none" rtlCol="0">
-            <a:spAutoFit/>
-          </a:bodyPr>
-          <a:lstStyle/>
-          <a:p>
-            <a:r>
-              <a:rPr lang="en-US" sz="1400" dirty="0"/>
-              <a:t>The function argument to f must be of </a:t>
-            </a:r>
-          </a:p>
-          <a:p>
-            <a:r>
-              <a:rPr lang="en-US" sz="1400" dirty="0"/>
-              <a:t>the same type as the list elements</a:t>
+              <a:t>Both functions are higher-order functions that come straight out of the functional programming tradition.</a:t>
             </a:r>
           </a:p>
         </p:txBody>
@@ -9403,7 +9588,7 @@
     </p:spTree>
     <p:extLst>
       <p:ext uri="{BB962C8B-B14F-4D97-AF65-F5344CB8AC3E}">
-        <p14:creationId xmlns:p14="http://schemas.microsoft.com/office/powerpoint/2010/main" val="2596502265"/>
+        <p14:creationId xmlns:p14="http://schemas.microsoft.com/office/powerpoint/2010/main" val="4130582056"/>
       </p:ext>
     </p:extLst>
   </p:cSld>

--- a/notes/csc493-ln012.pptx
+++ b/notes/csc493-ln012.pptx
@@ -7166,12 +7166,12 @@
         <p:spPr>
           <a:xfrm>
             <a:off x="1524000" y="1905000"/>
-            <a:ext cx="7010400" cy="2133600"/>
+            <a:ext cx="7010400" cy="2362200"/>
           </a:xfrm>
         </p:spPr>
         <p:txBody>
           <a:bodyPr>
-            <a:normAutofit fontScale="77500" lnSpcReduction="20000"/>
+            <a:normAutofit fontScale="70000" lnSpcReduction="20000"/>
           </a:bodyPr>
           <a:lstStyle/>
           <a:p>
@@ -7191,7 +7191,22 @@
             <a:pPr lvl="1"/>
             <a:r>
               <a:rPr lang="en-US" dirty="0"/>
-              <a:t>The first value of the pair acts like an accumulator containing the partially reduced value at each function application</a:t>
+              <a:t>The </a:t>
+            </a:r>
+            <a:r>
+              <a:rPr lang="en-US" b="1" dirty="0"/>
+              <a:t>first value of the pair acts like an accumulator </a:t>
+            </a:r>
+            <a:r>
+              <a:rPr lang="en-US" dirty="0"/>
+              <a:t>containing the partially reduced value at each function application</a:t>
+            </a:r>
+          </a:p>
+          <a:p>
+            <a:pPr lvl="2"/>
+            <a:r>
+              <a:rPr lang="en-US" dirty="0"/>
+              <a:t>In the default setting it is initialized to the first element of the list.</a:t>
             </a:r>
           </a:p>
           <a:p>
@@ -7202,10 +7217,10 @@
       </p:sp>
       <p:grpSp>
         <p:nvGrpSpPr>
-          <p:cNvPr id="6" name="Group 5">
-            <a:extLst>
-              <a:ext uri="{FF2B5EF4-FFF2-40B4-BE49-F238E27FC236}">
-                <a16:creationId xmlns:a16="http://schemas.microsoft.com/office/drawing/2014/main" id="{C1F1FB5C-37BA-B54F-9563-39002F6E7193}"/>
+          <p:cNvPr id="7" name="Group 6">
+            <a:extLst>
+              <a:ext uri="{FF2B5EF4-FFF2-40B4-BE49-F238E27FC236}">
+                <a16:creationId xmlns:a16="http://schemas.microsoft.com/office/drawing/2014/main" id="{E57D0A3E-8BA5-CA46-AA1C-1802E3B0B2F3}"/>
               </a:ext>
             </a:extLst>
           </p:cNvPr>
@@ -7214,9 +7229,9 @@
         </p:nvGrpSpPr>
         <p:grpSpPr>
           <a:xfrm>
-            <a:off x="1816100" y="4343400"/>
+            <a:off x="2127250" y="4495800"/>
             <a:ext cx="4889500" cy="2133600"/>
-            <a:chOff x="1524000" y="4343400"/>
+            <a:chOff x="1219200" y="4343400"/>
             <a:chExt cx="4889500" cy="2133600"/>
           </a:xfrm>
         </p:grpSpPr>
@@ -7242,7 +7257,7 @@
           </p:blipFill>
           <p:spPr>
             <a:xfrm>
-              <a:off x="1524000" y="4343400"/>
+              <a:off x="1219200" y="4343400"/>
               <a:ext cx="4889500" cy="2133600"/>
             </a:xfrm>
             <a:prstGeom prst="rect">
@@ -7269,7 +7284,7 @@
           </p:nvSpPr>
           <p:spPr bwMode="auto">
             <a:xfrm>
-              <a:off x="5181600" y="5715000"/>
+              <a:off x="4953000" y="5715000"/>
               <a:ext cx="457200" cy="228600"/>
             </a:xfrm>
             <a:prstGeom prst="leftArrow">
@@ -9566,15 +9581,7 @@
           <a:p>
             <a:r>
               <a:rPr lang="en-US" dirty="0"/>
-              <a:t>The map and reduce functions are functions that take a function and apply the given function to a </a:t>
-            </a:r>
-            <a:r>
-              <a:rPr lang="en-US" dirty="0" err="1"/>
-              <a:t>lis</a:t>
-            </a:r>
-            <a:r>
-              <a:rPr lang="en-US" dirty="0"/>
-              <a:t>..</a:t>
+              <a:t>The ‘map’ and ‘reduce’ functions are functions that take a function and apply the given function to ALL the elements of a list.</a:t>
             </a:r>
           </a:p>
           <a:p>
